--- a/Other/Курсовой_проект_АрхРеестр_Маратканов_А.А.pptx
+++ b/Other/Курсовой_проект_АрхРеестр_Маратканов_А.А.pptx
@@ -10,8 +10,8 @@
   <p:sldIdLst>
     <p:sldId id="256" r:id="rId2"/>
     <p:sldId id="257" r:id="rId3"/>
-    <p:sldId id="258" r:id="rId4"/>
-    <p:sldId id="259" r:id="rId5"/>
+    <p:sldId id="259" r:id="rId4"/>
+    <p:sldId id="258" r:id="rId5"/>
     <p:sldId id="260" r:id="rId6"/>
     <p:sldId id="261" r:id="rId7"/>
     <p:sldId id="262" r:id="rId8"/>
@@ -3011,72 +3011,58 @@
           <a:custGeom>
             <a:avLst/>
             <a:gdLst>
-              <a:gd name="connsiteX0" fmla="*/ 0 w 9144000"/>
-              <a:gd name="connsiteY0" fmla="*/ 0 h 1188720"/>
-              <a:gd name="connsiteX1" fmla="*/ 744583 w 9144000"/>
-              <a:gd name="connsiteY1" fmla="*/ 0 h 1188720"/>
-              <a:gd name="connsiteX2" fmla="*/ 1580606 w 9144000"/>
-              <a:gd name="connsiteY2" fmla="*/ 0 h 1188720"/>
-              <a:gd name="connsiteX3" fmla="*/ 2050869 w 9144000"/>
-              <a:gd name="connsiteY3" fmla="*/ 0 h 1188720"/>
-              <a:gd name="connsiteX4" fmla="*/ 2795451 w 9144000"/>
-              <a:gd name="connsiteY4" fmla="*/ 0 h 1188720"/>
-              <a:gd name="connsiteX5" fmla="*/ 3265714 w 9144000"/>
-              <a:gd name="connsiteY5" fmla="*/ 0 h 1188720"/>
-              <a:gd name="connsiteX6" fmla="*/ 3918857 w 9144000"/>
-              <a:gd name="connsiteY6" fmla="*/ 0 h 1188720"/>
-              <a:gd name="connsiteX7" fmla="*/ 4663440 w 9144000"/>
-              <a:gd name="connsiteY7" fmla="*/ 0 h 1188720"/>
-              <a:gd name="connsiteX8" fmla="*/ 5042263 w 9144000"/>
-              <a:gd name="connsiteY8" fmla="*/ 0 h 1188720"/>
-              <a:gd name="connsiteX9" fmla="*/ 5421086 w 9144000"/>
-              <a:gd name="connsiteY9" fmla="*/ 0 h 1188720"/>
-              <a:gd name="connsiteX10" fmla="*/ 6257109 w 9144000"/>
-              <a:gd name="connsiteY10" fmla="*/ 0 h 1188720"/>
-              <a:gd name="connsiteX11" fmla="*/ 6910251 w 9144000"/>
-              <a:gd name="connsiteY11" fmla="*/ 0 h 1188720"/>
-              <a:gd name="connsiteX12" fmla="*/ 7289074 w 9144000"/>
-              <a:gd name="connsiteY12" fmla="*/ 0 h 1188720"/>
-              <a:gd name="connsiteX13" fmla="*/ 7942217 w 9144000"/>
-              <a:gd name="connsiteY13" fmla="*/ 0 h 1188720"/>
-              <a:gd name="connsiteX14" fmla="*/ 9144000 w 9144000"/>
-              <a:gd name="connsiteY14" fmla="*/ 0 h 1188720"/>
-              <a:gd name="connsiteX15" fmla="*/ 9144000 w 9144000"/>
-              <a:gd name="connsiteY15" fmla="*/ 582473 h 1188720"/>
-              <a:gd name="connsiteX16" fmla="*/ 9144000 w 9144000"/>
-              <a:gd name="connsiteY16" fmla="*/ 1188720 h 1188720"/>
-              <a:gd name="connsiteX17" fmla="*/ 8765177 w 9144000"/>
-              <a:gd name="connsiteY17" fmla="*/ 1188720 h 1188720"/>
-              <a:gd name="connsiteX18" fmla="*/ 7929154 w 9144000"/>
-              <a:gd name="connsiteY18" fmla="*/ 1188720 h 1188720"/>
-              <a:gd name="connsiteX19" fmla="*/ 7184571 w 9144000"/>
-              <a:gd name="connsiteY19" fmla="*/ 1188720 h 1188720"/>
-              <a:gd name="connsiteX20" fmla="*/ 6439989 w 9144000"/>
-              <a:gd name="connsiteY20" fmla="*/ 1188720 h 1188720"/>
-              <a:gd name="connsiteX21" fmla="*/ 5695406 w 9144000"/>
-              <a:gd name="connsiteY21" fmla="*/ 1188720 h 1188720"/>
-              <a:gd name="connsiteX22" fmla="*/ 5225143 w 9144000"/>
-              <a:gd name="connsiteY22" fmla="*/ 1188720 h 1188720"/>
-              <a:gd name="connsiteX23" fmla="*/ 4389120 w 9144000"/>
-              <a:gd name="connsiteY23" fmla="*/ 1188720 h 1188720"/>
-              <a:gd name="connsiteX24" fmla="*/ 3735977 w 9144000"/>
-              <a:gd name="connsiteY24" fmla="*/ 1188720 h 1188720"/>
-              <a:gd name="connsiteX25" fmla="*/ 3357154 w 9144000"/>
-              <a:gd name="connsiteY25" fmla="*/ 1188720 h 1188720"/>
-              <a:gd name="connsiteX26" fmla="*/ 2704011 w 9144000"/>
-              <a:gd name="connsiteY26" fmla="*/ 1188720 h 1188720"/>
-              <a:gd name="connsiteX27" fmla="*/ 2142309 w 9144000"/>
-              <a:gd name="connsiteY27" fmla="*/ 1188720 h 1188720"/>
-              <a:gd name="connsiteX28" fmla="*/ 1580606 w 9144000"/>
-              <a:gd name="connsiteY28" fmla="*/ 1188720 h 1188720"/>
-              <a:gd name="connsiteX29" fmla="*/ 1018903 w 9144000"/>
-              <a:gd name="connsiteY29" fmla="*/ 1188720 h 1188720"/>
-              <a:gd name="connsiteX30" fmla="*/ 0 w 9144000"/>
-              <a:gd name="connsiteY30" fmla="*/ 1188720 h 1188720"/>
-              <a:gd name="connsiteX31" fmla="*/ 0 w 9144000"/>
-              <a:gd name="connsiteY31" fmla="*/ 582473 h 1188720"/>
-              <a:gd name="connsiteX32" fmla="*/ 0 w 9144000"/>
-              <a:gd name="connsiteY32" fmla="*/ 0 h 1188720"/>
+              <a:gd name="connsiteX0" fmla="*/ 0 w 6644640"/>
+              <a:gd name="connsiteY0" fmla="*/ 0 h 1005840"/>
+              <a:gd name="connsiteX1" fmla="*/ 465125 w 6644640"/>
+              <a:gd name="connsiteY1" fmla="*/ 0 h 1005840"/>
+              <a:gd name="connsiteX2" fmla="*/ 1262482 w 6644640"/>
+              <a:gd name="connsiteY2" fmla="*/ 0 h 1005840"/>
+              <a:gd name="connsiteX3" fmla="*/ 1993392 w 6644640"/>
+              <a:gd name="connsiteY3" fmla="*/ 0 h 1005840"/>
+              <a:gd name="connsiteX4" fmla="*/ 2458517 w 6644640"/>
+              <a:gd name="connsiteY4" fmla="*/ 0 h 1005840"/>
+              <a:gd name="connsiteX5" fmla="*/ 3056534 w 6644640"/>
+              <a:gd name="connsiteY5" fmla="*/ 0 h 1005840"/>
+              <a:gd name="connsiteX6" fmla="*/ 3853891 w 6644640"/>
+              <a:gd name="connsiteY6" fmla="*/ 0 h 1005840"/>
+              <a:gd name="connsiteX7" fmla="*/ 4518355 w 6644640"/>
+              <a:gd name="connsiteY7" fmla="*/ 0 h 1005840"/>
+              <a:gd name="connsiteX8" fmla="*/ 5249266 w 6644640"/>
+              <a:gd name="connsiteY8" fmla="*/ 0 h 1005840"/>
+              <a:gd name="connsiteX9" fmla="*/ 5847283 w 6644640"/>
+              <a:gd name="connsiteY9" fmla="*/ 0 h 1005840"/>
+              <a:gd name="connsiteX10" fmla="*/ 6644640 w 6644640"/>
+              <a:gd name="connsiteY10" fmla="*/ 0 h 1005840"/>
+              <a:gd name="connsiteX11" fmla="*/ 6644640 w 6644640"/>
+              <a:gd name="connsiteY11" fmla="*/ 523037 h 1005840"/>
+              <a:gd name="connsiteX12" fmla="*/ 6644640 w 6644640"/>
+              <a:gd name="connsiteY12" fmla="*/ 1005840 h 1005840"/>
+              <a:gd name="connsiteX13" fmla="*/ 6179515 w 6644640"/>
+              <a:gd name="connsiteY13" fmla="*/ 1005840 h 1005840"/>
+              <a:gd name="connsiteX14" fmla="*/ 5714390 w 6644640"/>
+              <a:gd name="connsiteY14" fmla="*/ 1005840 h 1005840"/>
+              <a:gd name="connsiteX15" fmla="*/ 4983480 w 6644640"/>
+              <a:gd name="connsiteY15" fmla="*/ 1005840 h 1005840"/>
+              <a:gd name="connsiteX16" fmla="*/ 4518355 w 6644640"/>
+              <a:gd name="connsiteY16" fmla="*/ 1005840 h 1005840"/>
+              <a:gd name="connsiteX17" fmla="*/ 3853891 w 6644640"/>
+              <a:gd name="connsiteY17" fmla="*/ 1005840 h 1005840"/>
+              <a:gd name="connsiteX18" fmla="*/ 3322320 w 6644640"/>
+              <a:gd name="connsiteY18" fmla="*/ 1005840 h 1005840"/>
+              <a:gd name="connsiteX19" fmla="*/ 2657856 w 6644640"/>
+              <a:gd name="connsiteY19" fmla="*/ 1005840 h 1005840"/>
+              <a:gd name="connsiteX20" fmla="*/ 1993392 w 6644640"/>
+              <a:gd name="connsiteY20" fmla="*/ 1005840 h 1005840"/>
+              <a:gd name="connsiteX21" fmla="*/ 1328928 w 6644640"/>
+              <a:gd name="connsiteY21" fmla="*/ 1005840 h 1005840"/>
+              <a:gd name="connsiteX22" fmla="*/ 664464 w 6644640"/>
+              <a:gd name="connsiteY22" fmla="*/ 1005840 h 1005840"/>
+              <a:gd name="connsiteX23" fmla="*/ 0 w 6644640"/>
+              <a:gd name="connsiteY23" fmla="*/ 1005840 h 1005840"/>
+              <a:gd name="connsiteX24" fmla="*/ 0 w 6644640"/>
+              <a:gd name="connsiteY24" fmla="*/ 492862 h 1005840"/>
+              <a:gd name="connsiteX25" fmla="*/ 0 w 6644640"/>
+              <a:gd name="connsiteY25" fmla="*/ 0 h 1005840"/>
             </a:gdLst>
             <a:ahLst/>
             <a:cxnLst>
@@ -3158,363 +3144,262 @@
               <a:cxn ang="0">
                 <a:pos x="connsiteX25" y="connsiteY25"/>
               </a:cxn>
-              <a:cxn ang="0">
-                <a:pos x="connsiteX26" y="connsiteY26"/>
-              </a:cxn>
-              <a:cxn ang="0">
-                <a:pos x="connsiteX27" y="connsiteY27"/>
-              </a:cxn>
-              <a:cxn ang="0">
-                <a:pos x="connsiteX28" y="connsiteY28"/>
-              </a:cxn>
-              <a:cxn ang="0">
-                <a:pos x="connsiteX29" y="connsiteY29"/>
-              </a:cxn>
-              <a:cxn ang="0">
-                <a:pos x="connsiteX30" y="connsiteY30"/>
-              </a:cxn>
-              <a:cxn ang="0">
-                <a:pos x="connsiteX31" y="connsiteY31"/>
-              </a:cxn>
-              <a:cxn ang="0">
-                <a:pos x="connsiteX32" y="connsiteY32"/>
-              </a:cxn>
             </a:cxnLst>
             <a:rect l="l" t="t" r="r" b="b"/>
             <a:pathLst>
-              <a:path w="9144000" h="1188720" fill="none" extrusionOk="0">
+              <a:path w="6644640" h="1005840" fill="none" extrusionOk="0">
                 <a:moveTo>
                   <a:pt x="0" y="0"/>
                 </a:moveTo>
                 <a:cubicBezTo>
-                  <a:pt x="262395" y="35323"/>
-                  <a:pt x="382833" y="-13091"/>
-                  <a:pt x="744583" y="0"/>
-                </a:cubicBezTo>
-                <a:cubicBezTo>
-                  <a:pt x="1106333" y="13091"/>
-                  <a:pt x="1231879" y="14118"/>
-                  <a:pt x="1580606" y="0"/>
-                </a:cubicBezTo>
-                <a:cubicBezTo>
-                  <a:pt x="1929333" y="-14118"/>
-                  <a:pt x="1903382" y="-18911"/>
-                  <a:pt x="2050869" y="0"/>
-                </a:cubicBezTo>
-                <a:cubicBezTo>
-                  <a:pt x="2198356" y="18911"/>
-                  <a:pt x="2566448" y="13634"/>
-                  <a:pt x="2795451" y="0"/>
-                </a:cubicBezTo>
-                <a:cubicBezTo>
-                  <a:pt x="3024454" y="-13634"/>
-                  <a:pt x="3038784" y="21107"/>
-                  <a:pt x="3265714" y="0"/>
-                </a:cubicBezTo>
-                <a:cubicBezTo>
-                  <a:pt x="3492644" y="-21107"/>
-                  <a:pt x="3767452" y="-25774"/>
-                  <a:pt x="3918857" y="0"/>
-                </a:cubicBezTo>
-                <a:cubicBezTo>
-                  <a:pt x="4070262" y="25774"/>
-                  <a:pt x="4397538" y="-27905"/>
-                  <a:pt x="4663440" y="0"/>
-                </a:cubicBezTo>
-                <a:cubicBezTo>
-                  <a:pt x="4929342" y="27905"/>
-                  <a:pt x="4860320" y="3204"/>
-                  <a:pt x="5042263" y="0"/>
-                </a:cubicBezTo>
-                <a:cubicBezTo>
-                  <a:pt x="5224206" y="-3204"/>
-                  <a:pt x="5318848" y="-5061"/>
-                  <a:pt x="5421086" y="0"/>
-                </a:cubicBezTo>
-                <a:cubicBezTo>
-                  <a:pt x="5523324" y="5061"/>
-                  <a:pt x="5858063" y="-5431"/>
-                  <a:pt x="6257109" y="0"/>
-                </a:cubicBezTo>
-                <a:cubicBezTo>
-                  <a:pt x="6656155" y="5431"/>
-                  <a:pt x="6696681" y="-5805"/>
-                  <a:pt x="6910251" y="0"/>
-                </a:cubicBezTo>
-                <a:cubicBezTo>
-                  <a:pt x="7123821" y="5805"/>
-                  <a:pt x="7174362" y="16437"/>
-                  <a:pt x="7289074" y="0"/>
-                </a:cubicBezTo>
-                <a:cubicBezTo>
-                  <a:pt x="7403786" y="-16437"/>
-                  <a:pt x="7716966" y="8318"/>
-                  <a:pt x="7942217" y="0"/>
-                </a:cubicBezTo>
-                <a:cubicBezTo>
-                  <a:pt x="8167468" y="-8318"/>
-                  <a:pt x="8753983" y="-41292"/>
-                  <a:pt x="9144000" y="0"/>
-                </a:cubicBezTo>
-                <a:cubicBezTo>
-                  <a:pt x="9161824" y="277933"/>
-                  <a:pt x="9132307" y="440554"/>
-                  <a:pt x="9144000" y="582473"/>
-                </a:cubicBezTo>
-                <a:cubicBezTo>
-                  <a:pt x="9155693" y="724392"/>
-                  <a:pt x="9144504" y="1032333"/>
-                  <a:pt x="9144000" y="1188720"/>
-                </a:cubicBezTo>
-                <a:cubicBezTo>
-                  <a:pt x="8988970" y="1199020"/>
-                  <a:pt x="8866044" y="1195548"/>
-                  <a:pt x="8765177" y="1188720"/>
-                </a:cubicBezTo>
-                <a:cubicBezTo>
-                  <a:pt x="8664310" y="1181892"/>
-                  <a:pt x="8307230" y="1228341"/>
-                  <a:pt x="7929154" y="1188720"/>
-                </a:cubicBezTo>
-                <a:cubicBezTo>
-                  <a:pt x="7551078" y="1149099"/>
-                  <a:pt x="7499748" y="1178759"/>
-                  <a:pt x="7184571" y="1188720"/>
-                </a:cubicBezTo>
-                <a:cubicBezTo>
-                  <a:pt x="6869394" y="1198681"/>
-                  <a:pt x="6636692" y="1169648"/>
-                  <a:pt x="6439989" y="1188720"/>
-                </a:cubicBezTo>
-                <a:cubicBezTo>
-                  <a:pt x="6243286" y="1207792"/>
-                  <a:pt x="5997961" y="1199494"/>
-                  <a:pt x="5695406" y="1188720"/>
-                </a:cubicBezTo>
-                <a:cubicBezTo>
-                  <a:pt x="5392851" y="1177946"/>
-                  <a:pt x="5342275" y="1201228"/>
-                  <a:pt x="5225143" y="1188720"/>
-                </a:cubicBezTo>
-                <a:cubicBezTo>
-                  <a:pt x="5108011" y="1176212"/>
-                  <a:pt x="4779838" y="1151330"/>
-                  <a:pt x="4389120" y="1188720"/>
-                </a:cubicBezTo>
-                <a:cubicBezTo>
-                  <a:pt x="3998402" y="1226110"/>
-                  <a:pt x="3962958" y="1213539"/>
-                  <a:pt x="3735977" y="1188720"/>
-                </a:cubicBezTo>
-                <a:cubicBezTo>
-                  <a:pt x="3508996" y="1163901"/>
-                  <a:pt x="3439339" y="1197704"/>
-                  <a:pt x="3357154" y="1188720"/>
-                </a:cubicBezTo>
-                <a:cubicBezTo>
-                  <a:pt x="3274969" y="1179736"/>
-                  <a:pt x="2881294" y="1205973"/>
-                  <a:pt x="2704011" y="1188720"/>
-                </a:cubicBezTo>
-                <a:cubicBezTo>
-                  <a:pt x="2526728" y="1171467"/>
-                  <a:pt x="2311240" y="1175527"/>
-                  <a:pt x="2142309" y="1188720"/>
-                </a:cubicBezTo>
-                <a:cubicBezTo>
-                  <a:pt x="1973378" y="1201913"/>
-                  <a:pt x="1820108" y="1165033"/>
-                  <a:pt x="1580606" y="1188720"/>
-                </a:cubicBezTo>
-                <a:cubicBezTo>
-                  <a:pt x="1341104" y="1212407"/>
-                  <a:pt x="1159507" y="1176609"/>
-                  <a:pt x="1018903" y="1188720"/>
-                </a:cubicBezTo>
-                <a:cubicBezTo>
-                  <a:pt x="878299" y="1200831"/>
-                  <a:pt x="259087" y="1233092"/>
-                  <a:pt x="0" y="1188720"/>
-                </a:cubicBezTo>
-                <a:cubicBezTo>
-                  <a:pt x="16745" y="957713"/>
-                  <a:pt x="9790" y="875333"/>
-                  <a:pt x="0" y="582473"/>
-                </a:cubicBezTo>
-                <a:cubicBezTo>
-                  <a:pt x="-9790" y="289613"/>
-                  <a:pt x="9950" y="281803"/>
+                  <a:pt x="215645" y="-6630"/>
+                  <a:pt x="304735" y="3983"/>
+                  <a:pt x="465125" y="0"/>
+                </a:cubicBezTo>
+                <a:cubicBezTo>
+                  <a:pt x="625515" y="-3983"/>
+                  <a:pt x="1081646" y="-32275"/>
+                  <a:pt x="1262482" y="0"/>
+                </a:cubicBezTo>
+                <a:cubicBezTo>
+                  <a:pt x="1443318" y="32275"/>
+                  <a:pt x="1666946" y="-8448"/>
+                  <a:pt x="1993392" y="0"/>
+                </a:cubicBezTo>
+                <a:cubicBezTo>
+                  <a:pt x="2319838" y="8448"/>
+                  <a:pt x="2325312" y="-766"/>
+                  <a:pt x="2458517" y="0"/>
+                </a:cubicBezTo>
+                <a:cubicBezTo>
+                  <a:pt x="2591722" y="766"/>
+                  <a:pt x="2793067" y="-1199"/>
+                  <a:pt x="3056534" y="0"/>
+                </a:cubicBezTo>
+                <a:cubicBezTo>
+                  <a:pt x="3320001" y="1199"/>
+                  <a:pt x="3592413" y="18673"/>
+                  <a:pt x="3853891" y="0"/>
+                </a:cubicBezTo>
+                <a:cubicBezTo>
+                  <a:pt x="4115369" y="-18673"/>
+                  <a:pt x="4212415" y="22043"/>
+                  <a:pt x="4518355" y="0"/>
+                </a:cubicBezTo>
+                <a:cubicBezTo>
+                  <a:pt x="4824295" y="-22043"/>
+                  <a:pt x="4896313" y="-27734"/>
+                  <a:pt x="5249266" y="0"/>
+                </a:cubicBezTo>
+                <a:cubicBezTo>
+                  <a:pt x="5602219" y="27734"/>
+                  <a:pt x="5722482" y="13805"/>
+                  <a:pt x="5847283" y="0"/>
+                </a:cubicBezTo>
+                <a:cubicBezTo>
+                  <a:pt x="5972084" y="-13805"/>
+                  <a:pt x="6324059" y="1909"/>
+                  <a:pt x="6644640" y="0"/>
+                </a:cubicBezTo>
+                <a:cubicBezTo>
+                  <a:pt x="6629024" y="237681"/>
+                  <a:pt x="6646612" y="371358"/>
+                  <a:pt x="6644640" y="523037"/>
+                </a:cubicBezTo>
+                <a:cubicBezTo>
+                  <a:pt x="6642668" y="674716"/>
+                  <a:pt x="6646967" y="772898"/>
+                  <a:pt x="6644640" y="1005840"/>
+                </a:cubicBezTo>
+                <a:cubicBezTo>
+                  <a:pt x="6533189" y="998728"/>
+                  <a:pt x="6303073" y="1021549"/>
+                  <a:pt x="6179515" y="1005840"/>
+                </a:cubicBezTo>
+                <a:cubicBezTo>
+                  <a:pt x="6055958" y="990131"/>
+                  <a:pt x="5819446" y="1013013"/>
+                  <a:pt x="5714390" y="1005840"/>
+                </a:cubicBezTo>
+                <a:cubicBezTo>
+                  <a:pt x="5609334" y="998667"/>
+                  <a:pt x="5302342" y="971666"/>
+                  <a:pt x="4983480" y="1005840"/>
+                </a:cubicBezTo>
+                <a:cubicBezTo>
+                  <a:pt x="4664618" y="1040015"/>
+                  <a:pt x="4704315" y="1025978"/>
+                  <a:pt x="4518355" y="1005840"/>
+                </a:cubicBezTo>
+                <a:cubicBezTo>
+                  <a:pt x="4332396" y="985702"/>
+                  <a:pt x="4001816" y="987906"/>
+                  <a:pt x="3853891" y="1005840"/>
+                </a:cubicBezTo>
+                <a:cubicBezTo>
+                  <a:pt x="3705966" y="1023774"/>
+                  <a:pt x="3574189" y="991804"/>
+                  <a:pt x="3322320" y="1005840"/>
+                </a:cubicBezTo>
+                <a:cubicBezTo>
+                  <a:pt x="3070451" y="1019876"/>
+                  <a:pt x="2968655" y="997229"/>
+                  <a:pt x="2657856" y="1005840"/>
+                </a:cubicBezTo>
+                <a:cubicBezTo>
+                  <a:pt x="2347057" y="1014451"/>
+                  <a:pt x="2197224" y="1035322"/>
+                  <a:pt x="1993392" y="1005840"/>
+                </a:cubicBezTo>
+                <a:cubicBezTo>
+                  <a:pt x="1789560" y="976358"/>
+                  <a:pt x="1636922" y="1018503"/>
+                  <a:pt x="1328928" y="1005840"/>
+                </a:cubicBezTo>
+                <a:cubicBezTo>
+                  <a:pt x="1020934" y="993177"/>
+                  <a:pt x="985751" y="982119"/>
+                  <a:pt x="664464" y="1005840"/>
+                </a:cubicBezTo>
+                <a:cubicBezTo>
+                  <a:pt x="343177" y="1029561"/>
+                  <a:pt x="258003" y="1000878"/>
+                  <a:pt x="0" y="1005840"/>
+                </a:cubicBezTo>
+                <a:cubicBezTo>
+                  <a:pt x="-23620" y="829185"/>
+                  <a:pt x="2391" y="606762"/>
+                  <a:pt x="0" y="492862"/>
+                </a:cubicBezTo>
+                <a:cubicBezTo>
+                  <a:pt x="-2391" y="378962"/>
+                  <a:pt x="-14767" y="111269"/>
                   <a:pt x="0" y="0"/>
                 </a:cubicBezTo>
                 <a:close/>
               </a:path>
-              <a:path w="9144000" h="1188720" stroke="0" extrusionOk="0">
+              <a:path w="6644640" h="1005840" stroke="0" extrusionOk="0">
                 <a:moveTo>
                   <a:pt x="0" y="0"/>
                 </a:moveTo>
                 <a:cubicBezTo>
-                  <a:pt x="198878" y="-10557"/>
-                  <a:pt x="407088" y="-8082"/>
-                  <a:pt x="561703" y="0"/>
-                </a:cubicBezTo>
-                <a:cubicBezTo>
-                  <a:pt x="716318" y="8082"/>
-                  <a:pt x="835202" y="-18772"/>
-                  <a:pt x="940526" y="0"/>
-                </a:cubicBezTo>
-                <a:cubicBezTo>
-                  <a:pt x="1045850" y="18772"/>
-                  <a:pt x="1393324" y="-3579"/>
-                  <a:pt x="1776549" y="0"/>
-                </a:cubicBezTo>
-                <a:cubicBezTo>
-                  <a:pt x="2159774" y="3579"/>
-                  <a:pt x="2190081" y="-10610"/>
-                  <a:pt x="2338251" y="0"/>
-                </a:cubicBezTo>
-                <a:cubicBezTo>
-                  <a:pt x="2486421" y="10610"/>
-                  <a:pt x="2645997" y="17984"/>
-                  <a:pt x="2899954" y="0"/>
-                </a:cubicBezTo>
-                <a:cubicBezTo>
-                  <a:pt x="3153911" y="-17984"/>
-                  <a:pt x="3493774" y="11651"/>
-                  <a:pt x="3735977" y="0"/>
-                </a:cubicBezTo>
-                <a:cubicBezTo>
-                  <a:pt x="3978180" y="-11651"/>
-                  <a:pt x="4089476" y="16082"/>
-                  <a:pt x="4206240" y="0"/>
-                </a:cubicBezTo>
-                <a:cubicBezTo>
-                  <a:pt x="4323004" y="-16082"/>
-                  <a:pt x="4870551" y="33406"/>
-                  <a:pt x="5042263" y="0"/>
-                </a:cubicBezTo>
-                <a:cubicBezTo>
-                  <a:pt x="5213975" y="-33406"/>
-                  <a:pt x="5518384" y="-39039"/>
-                  <a:pt x="5878286" y="0"/>
-                </a:cubicBezTo>
-                <a:cubicBezTo>
-                  <a:pt x="6238188" y="39039"/>
-                  <a:pt x="6358789" y="24913"/>
-                  <a:pt x="6531429" y="0"/>
-                </a:cubicBezTo>
-                <a:cubicBezTo>
-                  <a:pt x="6704069" y="-24913"/>
-                  <a:pt x="7047419" y="-5128"/>
-                  <a:pt x="7367451" y="0"/>
-                </a:cubicBezTo>
-                <a:cubicBezTo>
-                  <a:pt x="7687483" y="5128"/>
-                  <a:pt x="7814430" y="-16092"/>
-                  <a:pt x="7929154" y="0"/>
-                </a:cubicBezTo>
-                <a:cubicBezTo>
-                  <a:pt x="8043878" y="16092"/>
-                  <a:pt x="8250575" y="-17929"/>
-                  <a:pt x="8490857" y="0"/>
-                </a:cubicBezTo>
-                <a:cubicBezTo>
-                  <a:pt x="8731139" y="17929"/>
-                  <a:pt x="8898894" y="-15257"/>
-                  <a:pt x="9144000" y="0"/>
-                </a:cubicBezTo>
-                <a:cubicBezTo>
-                  <a:pt x="9172675" y="204553"/>
-                  <a:pt x="9139152" y="453158"/>
-                  <a:pt x="9144000" y="582473"/>
-                </a:cubicBezTo>
-                <a:cubicBezTo>
-                  <a:pt x="9148848" y="711788"/>
-                  <a:pt x="9166558" y="947698"/>
-                  <a:pt x="9144000" y="1188720"/>
-                </a:cubicBezTo>
-                <a:cubicBezTo>
-                  <a:pt x="8945849" y="1190520"/>
-                  <a:pt x="8642473" y="1190710"/>
-                  <a:pt x="8399417" y="1188720"/>
-                </a:cubicBezTo>
-                <a:cubicBezTo>
-                  <a:pt x="8156361" y="1186730"/>
-                  <a:pt x="8000910" y="1169017"/>
-                  <a:pt x="7746274" y="1188720"/>
-                </a:cubicBezTo>
-                <a:cubicBezTo>
-                  <a:pt x="7491638" y="1208423"/>
-                  <a:pt x="7539137" y="1194736"/>
-                  <a:pt x="7367451" y="1188720"/>
-                </a:cubicBezTo>
-                <a:cubicBezTo>
-                  <a:pt x="7195765" y="1182704"/>
-                  <a:pt x="7103813" y="1171890"/>
-                  <a:pt x="6897189" y="1188720"/>
-                </a:cubicBezTo>
-                <a:cubicBezTo>
-                  <a:pt x="6690565" y="1205550"/>
-                  <a:pt x="6424425" y="1208132"/>
-                  <a:pt x="6061166" y="1188720"/>
-                </a:cubicBezTo>
-                <a:cubicBezTo>
-                  <a:pt x="5697907" y="1169308"/>
-                  <a:pt x="5680290" y="1192972"/>
-                  <a:pt x="5408023" y="1188720"/>
-                </a:cubicBezTo>
-                <a:cubicBezTo>
-                  <a:pt x="5135756" y="1184468"/>
-                  <a:pt x="5104702" y="1171322"/>
-                  <a:pt x="4937760" y="1188720"/>
-                </a:cubicBezTo>
-                <a:cubicBezTo>
-                  <a:pt x="4770818" y="1206118"/>
-                  <a:pt x="4524353" y="1187182"/>
-                  <a:pt x="4284617" y="1188720"/>
-                </a:cubicBezTo>
-                <a:cubicBezTo>
-                  <a:pt x="4044881" y="1190258"/>
-                  <a:pt x="4062748" y="1207211"/>
-                  <a:pt x="3905794" y="1188720"/>
-                </a:cubicBezTo>
-                <a:cubicBezTo>
-                  <a:pt x="3748840" y="1170229"/>
-                  <a:pt x="3669854" y="1179105"/>
-                  <a:pt x="3526971" y="1188720"/>
-                </a:cubicBezTo>
-                <a:cubicBezTo>
-                  <a:pt x="3384088" y="1198335"/>
-                  <a:pt x="3195773" y="1164236"/>
-                  <a:pt x="2873829" y="1188720"/>
-                </a:cubicBezTo>
-                <a:cubicBezTo>
-                  <a:pt x="2551885" y="1213204"/>
-                  <a:pt x="2520987" y="1175002"/>
-                  <a:pt x="2403566" y="1188720"/>
-                </a:cubicBezTo>
-                <a:cubicBezTo>
-                  <a:pt x="2286145" y="1202438"/>
-                  <a:pt x="1914274" y="1163139"/>
-                  <a:pt x="1658983" y="1188720"/>
-                </a:cubicBezTo>
-                <a:cubicBezTo>
-                  <a:pt x="1403692" y="1214301"/>
-                  <a:pt x="1353305" y="1174520"/>
-                  <a:pt x="1188720" y="1188720"/>
-                </a:cubicBezTo>
-                <a:cubicBezTo>
-                  <a:pt x="1024135" y="1202920"/>
-                  <a:pt x="516889" y="1247526"/>
-                  <a:pt x="0" y="1188720"/>
-                </a:cubicBezTo>
-                <a:cubicBezTo>
-                  <a:pt x="13816" y="962603"/>
-                  <a:pt x="-13026" y="760994"/>
-                  <a:pt x="0" y="630022"/>
-                </a:cubicBezTo>
-                <a:cubicBezTo>
-                  <a:pt x="13026" y="499050"/>
-                  <a:pt x="22708" y="183063"/>
+                  <a:pt x="276143" y="574"/>
+                  <a:pt x="399293" y="-17665"/>
+                  <a:pt x="598018" y="0"/>
+                </a:cubicBezTo>
+                <a:cubicBezTo>
+                  <a:pt x="796743" y="17665"/>
+                  <a:pt x="966891" y="-6447"/>
+                  <a:pt x="1063142" y="0"/>
+                </a:cubicBezTo>
+                <a:cubicBezTo>
+                  <a:pt x="1159393" y="6447"/>
+                  <a:pt x="1484589" y="13654"/>
+                  <a:pt x="1860499" y="0"/>
+                </a:cubicBezTo>
+                <a:cubicBezTo>
+                  <a:pt x="2236409" y="-13654"/>
+                  <a:pt x="2232496" y="15192"/>
+                  <a:pt x="2458517" y="0"/>
+                </a:cubicBezTo>
+                <a:cubicBezTo>
+                  <a:pt x="2684538" y="-15192"/>
+                  <a:pt x="2776118" y="14955"/>
+                  <a:pt x="3056534" y="0"/>
+                </a:cubicBezTo>
+                <a:cubicBezTo>
+                  <a:pt x="3336950" y="-14955"/>
+                  <a:pt x="3655197" y="19098"/>
+                  <a:pt x="3853891" y="0"/>
+                </a:cubicBezTo>
+                <a:cubicBezTo>
+                  <a:pt x="4052585" y="-19098"/>
+                  <a:pt x="4220568" y="-178"/>
+                  <a:pt x="4385462" y="0"/>
+                </a:cubicBezTo>
+                <a:cubicBezTo>
+                  <a:pt x="4550356" y="178"/>
+                  <a:pt x="5022141" y="1791"/>
+                  <a:pt x="5182819" y="0"/>
+                </a:cubicBezTo>
+                <a:cubicBezTo>
+                  <a:pt x="5343497" y="-1791"/>
+                  <a:pt x="5721701" y="7243"/>
+                  <a:pt x="5980176" y="0"/>
+                </a:cubicBezTo>
+                <a:cubicBezTo>
+                  <a:pt x="6238651" y="-7243"/>
+                  <a:pt x="6477033" y="-29601"/>
+                  <a:pt x="6644640" y="0"/>
+                </a:cubicBezTo>
+                <a:cubicBezTo>
+                  <a:pt x="6654477" y="135158"/>
+                  <a:pt x="6664835" y="330975"/>
+                  <a:pt x="6644640" y="523037"/>
+                </a:cubicBezTo>
+                <a:cubicBezTo>
+                  <a:pt x="6624445" y="715099"/>
+                  <a:pt x="6645860" y="814575"/>
+                  <a:pt x="6644640" y="1005840"/>
+                </a:cubicBezTo>
+                <a:cubicBezTo>
+                  <a:pt x="6463041" y="1002422"/>
+                  <a:pt x="6397537" y="1022782"/>
+                  <a:pt x="6179515" y="1005840"/>
+                </a:cubicBezTo>
+                <a:cubicBezTo>
+                  <a:pt x="5961494" y="988898"/>
+                  <a:pt x="5773729" y="1019862"/>
+                  <a:pt x="5382158" y="1005840"/>
+                </a:cubicBezTo>
+                <a:cubicBezTo>
+                  <a:pt x="4990587" y="991818"/>
+                  <a:pt x="5038334" y="1003397"/>
+                  <a:pt x="4850587" y="1005840"/>
+                </a:cubicBezTo>
+                <a:cubicBezTo>
+                  <a:pt x="4662840" y="1008283"/>
+                  <a:pt x="4455152" y="1005782"/>
+                  <a:pt x="4186123" y="1005840"/>
+                </a:cubicBezTo>
+                <a:cubicBezTo>
+                  <a:pt x="3917094" y="1005898"/>
+                  <a:pt x="3641941" y="1036936"/>
+                  <a:pt x="3388766" y="1005840"/>
+                </a:cubicBezTo>
+                <a:cubicBezTo>
+                  <a:pt x="3135591" y="974744"/>
+                  <a:pt x="2964983" y="1037845"/>
+                  <a:pt x="2724302" y="1005840"/>
+                </a:cubicBezTo>
+                <a:cubicBezTo>
+                  <a:pt x="2483621" y="973835"/>
+                  <a:pt x="2474480" y="1003635"/>
+                  <a:pt x="2259178" y="1005840"/>
+                </a:cubicBezTo>
+                <a:cubicBezTo>
+                  <a:pt x="2043876" y="1008045"/>
+                  <a:pt x="1838695" y="1017914"/>
+                  <a:pt x="1727606" y="1005840"/>
+                </a:cubicBezTo>
+                <a:cubicBezTo>
+                  <a:pt x="1616517" y="993766"/>
+                  <a:pt x="1108250" y="1001147"/>
+                  <a:pt x="930250" y="1005840"/>
+                </a:cubicBezTo>
+                <a:cubicBezTo>
+                  <a:pt x="752250" y="1010533"/>
+                  <a:pt x="426397" y="993486"/>
+                  <a:pt x="0" y="1005840"/>
+                </a:cubicBezTo>
+                <a:cubicBezTo>
+                  <a:pt x="-4909" y="786001"/>
+                  <a:pt x="-14957" y="757043"/>
+                  <a:pt x="0" y="523037"/>
+                </a:cubicBezTo>
+                <a:cubicBezTo>
+                  <a:pt x="14957" y="289031"/>
+                  <a:pt x="-6819" y="149670"/>
                   <a:pt x="0" y="0"/>
                 </a:cubicBezTo>
                 <a:close/>
@@ -3589,72 +3474,58 @@
           <a:custGeom>
             <a:avLst/>
             <a:gdLst>
-              <a:gd name="connsiteX0" fmla="*/ 0 w 9144000"/>
-              <a:gd name="connsiteY0" fmla="*/ 0 h 1188720"/>
-              <a:gd name="connsiteX1" fmla="*/ 744583 w 9144000"/>
-              <a:gd name="connsiteY1" fmla="*/ 0 h 1188720"/>
-              <a:gd name="connsiteX2" fmla="*/ 1580606 w 9144000"/>
-              <a:gd name="connsiteY2" fmla="*/ 0 h 1188720"/>
-              <a:gd name="connsiteX3" fmla="*/ 2050869 w 9144000"/>
-              <a:gd name="connsiteY3" fmla="*/ 0 h 1188720"/>
-              <a:gd name="connsiteX4" fmla="*/ 2795451 w 9144000"/>
-              <a:gd name="connsiteY4" fmla="*/ 0 h 1188720"/>
-              <a:gd name="connsiteX5" fmla="*/ 3265714 w 9144000"/>
-              <a:gd name="connsiteY5" fmla="*/ 0 h 1188720"/>
-              <a:gd name="connsiteX6" fmla="*/ 3918857 w 9144000"/>
-              <a:gd name="connsiteY6" fmla="*/ 0 h 1188720"/>
-              <a:gd name="connsiteX7" fmla="*/ 4663440 w 9144000"/>
-              <a:gd name="connsiteY7" fmla="*/ 0 h 1188720"/>
-              <a:gd name="connsiteX8" fmla="*/ 5042263 w 9144000"/>
-              <a:gd name="connsiteY8" fmla="*/ 0 h 1188720"/>
-              <a:gd name="connsiteX9" fmla="*/ 5421086 w 9144000"/>
-              <a:gd name="connsiteY9" fmla="*/ 0 h 1188720"/>
-              <a:gd name="connsiteX10" fmla="*/ 6257109 w 9144000"/>
-              <a:gd name="connsiteY10" fmla="*/ 0 h 1188720"/>
-              <a:gd name="connsiteX11" fmla="*/ 6910251 w 9144000"/>
-              <a:gd name="connsiteY11" fmla="*/ 0 h 1188720"/>
-              <a:gd name="connsiteX12" fmla="*/ 7289074 w 9144000"/>
-              <a:gd name="connsiteY12" fmla="*/ 0 h 1188720"/>
-              <a:gd name="connsiteX13" fmla="*/ 7942217 w 9144000"/>
-              <a:gd name="connsiteY13" fmla="*/ 0 h 1188720"/>
-              <a:gd name="connsiteX14" fmla="*/ 9144000 w 9144000"/>
-              <a:gd name="connsiteY14" fmla="*/ 0 h 1188720"/>
-              <a:gd name="connsiteX15" fmla="*/ 9144000 w 9144000"/>
-              <a:gd name="connsiteY15" fmla="*/ 582473 h 1188720"/>
-              <a:gd name="connsiteX16" fmla="*/ 9144000 w 9144000"/>
-              <a:gd name="connsiteY16" fmla="*/ 1188720 h 1188720"/>
-              <a:gd name="connsiteX17" fmla="*/ 8765177 w 9144000"/>
-              <a:gd name="connsiteY17" fmla="*/ 1188720 h 1188720"/>
-              <a:gd name="connsiteX18" fmla="*/ 7929154 w 9144000"/>
-              <a:gd name="connsiteY18" fmla="*/ 1188720 h 1188720"/>
-              <a:gd name="connsiteX19" fmla="*/ 7184571 w 9144000"/>
-              <a:gd name="connsiteY19" fmla="*/ 1188720 h 1188720"/>
-              <a:gd name="connsiteX20" fmla="*/ 6439989 w 9144000"/>
-              <a:gd name="connsiteY20" fmla="*/ 1188720 h 1188720"/>
-              <a:gd name="connsiteX21" fmla="*/ 5695406 w 9144000"/>
-              <a:gd name="connsiteY21" fmla="*/ 1188720 h 1188720"/>
-              <a:gd name="connsiteX22" fmla="*/ 5225143 w 9144000"/>
-              <a:gd name="connsiteY22" fmla="*/ 1188720 h 1188720"/>
-              <a:gd name="connsiteX23" fmla="*/ 4389120 w 9144000"/>
-              <a:gd name="connsiteY23" fmla="*/ 1188720 h 1188720"/>
-              <a:gd name="connsiteX24" fmla="*/ 3735977 w 9144000"/>
-              <a:gd name="connsiteY24" fmla="*/ 1188720 h 1188720"/>
-              <a:gd name="connsiteX25" fmla="*/ 3357154 w 9144000"/>
-              <a:gd name="connsiteY25" fmla="*/ 1188720 h 1188720"/>
-              <a:gd name="connsiteX26" fmla="*/ 2704011 w 9144000"/>
-              <a:gd name="connsiteY26" fmla="*/ 1188720 h 1188720"/>
-              <a:gd name="connsiteX27" fmla="*/ 2142309 w 9144000"/>
-              <a:gd name="connsiteY27" fmla="*/ 1188720 h 1188720"/>
-              <a:gd name="connsiteX28" fmla="*/ 1580606 w 9144000"/>
-              <a:gd name="connsiteY28" fmla="*/ 1188720 h 1188720"/>
-              <a:gd name="connsiteX29" fmla="*/ 1018903 w 9144000"/>
-              <a:gd name="connsiteY29" fmla="*/ 1188720 h 1188720"/>
-              <a:gd name="connsiteX30" fmla="*/ 0 w 9144000"/>
-              <a:gd name="connsiteY30" fmla="*/ 1188720 h 1188720"/>
-              <a:gd name="connsiteX31" fmla="*/ 0 w 9144000"/>
-              <a:gd name="connsiteY31" fmla="*/ 582473 h 1188720"/>
-              <a:gd name="connsiteX32" fmla="*/ 0 w 9144000"/>
-              <a:gd name="connsiteY32" fmla="*/ 0 h 1188720"/>
+              <a:gd name="connsiteX0" fmla="*/ 0 w 6644640"/>
+              <a:gd name="connsiteY0" fmla="*/ 0 h 1005840"/>
+              <a:gd name="connsiteX1" fmla="*/ 465125 w 6644640"/>
+              <a:gd name="connsiteY1" fmla="*/ 0 h 1005840"/>
+              <a:gd name="connsiteX2" fmla="*/ 1262482 w 6644640"/>
+              <a:gd name="connsiteY2" fmla="*/ 0 h 1005840"/>
+              <a:gd name="connsiteX3" fmla="*/ 1993392 w 6644640"/>
+              <a:gd name="connsiteY3" fmla="*/ 0 h 1005840"/>
+              <a:gd name="connsiteX4" fmla="*/ 2458517 w 6644640"/>
+              <a:gd name="connsiteY4" fmla="*/ 0 h 1005840"/>
+              <a:gd name="connsiteX5" fmla="*/ 3056534 w 6644640"/>
+              <a:gd name="connsiteY5" fmla="*/ 0 h 1005840"/>
+              <a:gd name="connsiteX6" fmla="*/ 3853891 w 6644640"/>
+              <a:gd name="connsiteY6" fmla="*/ 0 h 1005840"/>
+              <a:gd name="connsiteX7" fmla="*/ 4518355 w 6644640"/>
+              <a:gd name="connsiteY7" fmla="*/ 0 h 1005840"/>
+              <a:gd name="connsiteX8" fmla="*/ 5249266 w 6644640"/>
+              <a:gd name="connsiteY8" fmla="*/ 0 h 1005840"/>
+              <a:gd name="connsiteX9" fmla="*/ 5847283 w 6644640"/>
+              <a:gd name="connsiteY9" fmla="*/ 0 h 1005840"/>
+              <a:gd name="connsiteX10" fmla="*/ 6644640 w 6644640"/>
+              <a:gd name="connsiteY10" fmla="*/ 0 h 1005840"/>
+              <a:gd name="connsiteX11" fmla="*/ 6644640 w 6644640"/>
+              <a:gd name="connsiteY11" fmla="*/ 523037 h 1005840"/>
+              <a:gd name="connsiteX12" fmla="*/ 6644640 w 6644640"/>
+              <a:gd name="connsiteY12" fmla="*/ 1005840 h 1005840"/>
+              <a:gd name="connsiteX13" fmla="*/ 6179515 w 6644640"/>
+              <a:gd name="connsiteY13" fmla="*/ 1005840 h 1005840"/>
+              <a:gd name="connsiteX14" fmla="*/ 5714390 w 6644640"/>
+              <a:gd name="connsiteY14" fmla="*/ 1005840 h 1005840"/>
+              <a:gd name="connsiteX15" fmla="*/ 4983480 w 6644640"/>
+              <a:gd name="connsiteY15" fmla="*/ 1005840 h 1005840"/>
+              <a:gd name="connsiteX16" fmla="*/ 4518355 w 6644640"/>
+              <a:gd name="connsiteY16" fmla="*/ 1005840 h 1005840"/>
+              <a:gd name="connsiteX17" fmla="*/ 3853891 w 6644640"/>
+              <a:gd name="connsiteY17" fmla="*/ 1005840 h 1005840"/>
+              <a:gd name="connsiteX18" fmla="*/ 3322320 w 6644640"/>
+              <a:gd name="connsiteY18" fmla="*/ 1005840 h 1005840"/>
+              <a:gd name="connsiteX19" fmla="*/ 2657856 w 6644640"/>
+              <a:gd name="connsiteY19" fmla="*/ 1005840 h 1005840"/>
+              <a:gd name="connsiteX20" fmla="*/ 1993392 w 6644640"/>
+              <a:gd name="connsiteY20" fmla="*/ 1005840 h 1005840"/>
+              <a:gd name="connsiteX21" fmla="*/ 1328928 w 6644640"/>
+              <a:gd name="connsiteY21" fmla="*/ 1005840 h 1005840"/>
+              <a:gd name="connsiteX22" fmla="*/ 664464 w 6644640"/>
+              <a:gd name="connsiteY22" fmla="*/ 1005840 h 1005840"/>
+              <a:gd name="connsiteX23" fmla="*/ 0 w 6644640"/>
+              <a:gd name="connsiteY23" fmla="*/ 1005840 h 1005840"/>
+              <a:gd name="connsiteX24" fmla="*/ 0 w 6644640"/>
+              <a:gd name="connsiteY24" fmla="*/ 492862 h 1005840"/>
+              <a:gd name="connsiteX25" fmla="*/ 0 w 6644640"/>
+              <a:gd name="connsiteY25" fmla="*/ 0 h 1005840"/>
             </a:gdLst>
             <a:ahLst/>
             <a:cxnLst>
@@ -3736,363 +3607,262 @@
               <a:cxn ang="0">
                 <a:pos x="connsiteX25" y="connsiteY25"/>
               </a:cxn>
-              <a:cxn ang="0">
-                <a:pos x="connsiteX26" y="connsiteY26"/>
-              </a:cxn>
-              <a:cxn ang="0">
-                <a:pos x="connsiteX27" y="connsiteY27"/>
-              </a:cxn>
-              <a:cxn ang="0">
-                <a:pos x="connsiteX28" y="connsiteY28"/>
-              </a:cxn>
-              <a:cxn ang="0">
-                <a:pos x="connsiteX29" y="connsiteY29"/>
-              </a:cxn>
-              <a:cxn ang="0">
-                <a:pos x="connsiteX30" y="connsiteY30"/>
-              </a:cxn>
-              <a:cxn ang="0">
-                <a:pos x="connsiteX31" y="connsiteY31"/>
-              </a:cxn>
-              <a:cxn ang="0">
-                <a:pos x="connsiteX32" y="connsiteY32"/>
-              </a:cxn>
             </a:cxnLst>
             <a:rect l="l" t="t" r="r" b="b"/>
             <a:pathLst>
-              <a:path w="9144000" h="1188720" fill="none" extrusionOk="0">
+              <a:path w="6644640" h="1005840" fill="none" extrusionOk="0">
                 <a:moveTo>
                   <a:pt x="0" y="0"/>
                 </a:moveTo>
                 <a:cubicBezTo>
-                  <a:pt x="262395" y="35323"/>
-                  <a:pt x="382833" y="-13091"/>
-                  <a:pt x="744583" y="0"/>
-                </a:cubicBezTo>
-                <a:cubicBezTo>
-                  <a:pt x="1106333" y="13091"/>
-                  <a:pt x="1231879" y="14118"/>
-                  <a:pt x="1580606" y="0"/>
-                </a:cubicBezTo>
-                <a:cubicBezTo>
-                  <a:pt x="1929333" y="-14118"/>
-                  <a:pt x="1903382" y="-18911"/>
-                  <a:pt x="2050869" y="0"/>
-                </a:cubicBezTo>
-                <a:cubicBezTo>
-                  <a:pt x="2198356" y="18911"/>
-                  <a:pt x="2566448" y="13634"/>
-                  <a:pt x="2795451" y="0"/>
-                </a:cubicBezTo>
-                <a:cubicBezTo>
-                  <a:pt x="3024454" y="-13634"/>
-                  <a:pt x="3038784" y="21107"/>
-                  <a:pt x="3265714" y="0"/>
-                </a:cubicBezTo>
-                <a:cubicBezTo>
-                  <a:pt x="3492644" y="-21107"/>
-                  <a:pt x="3767452" y="-25774"/>
-                  <a:pt x="3918857" y="0"/>
-                </a:cubicBezTo>
-                <a:cubicBezTo>
-                  <a:pt x="4070262" y="25774"/>
-                  <a:pt x="4397538" y="-27905"/>
-                  <a:pt x="4663440" y="0"/>
-                </a:cubicBezTo>
-                <a:cubicBezTo>
-                  <a:pt x="4929342" y="27905"/>
-                  <a:pt x="4860320" y="3204"/>
-                  <a:pt x="5042263" y="0"/>
-                </a:cubicBezTo>
-                <a:cubicBezTo>
-                  <a:pt x="5224206" y="-3204"/>
-                  <a:pt x="5318848" y="-5061"/>
-                  <a:pt x="5421086" y="0"/>
-                </a:cubicBezTo>
-                <a:cubicBezTo>
-                  <a:pt x="5523324" y="5061"/>
-                  <a:pt x="5858063" y="-5431"/>
-                  <a:pt x="6257109" y="0"/>
-                </a:cubicBezTo>
-                <a:cubicBezTo>
-                  <a:pt x="6656155" y="5431"/>
-                  <a:pt x="6696681" y="-5805"/>
-                  <a:pt x="6910251" y="0"/>
-                </a:cubicBezTo>
-                <a:cubicBezTo>
-                  <a:pt x="7123821" y="5805"/>
-                  <a:pt x="7174362" y="16437"/>
-                  <a:pt x="7289074" y="0"/>
-                </a:cubicBezTo>
-                <a:cubicBezTo>
-                  <a:pt x="7403786" y="-16437"/>
-                  <a:pt x="7716966" y="8318"/>
-                  <a:pt x="7942217" y="0"/>
-                </a:cubicBezTo>
-                <a:cubicBezTo>
-                  <a:pt x="8167468" y="-8318"/>
-                  <a:pt x="8753983" y="-41292"/>
-                  <a:pt x="9144000" y="0"/>
-                </a:cubicBezTo>
-                <a:cubicBezTo>
-                  <a:pt x="9161824" y="277933"/>
-                  <a:pt x="9132307" y="440554"/>
-                  <a:pt x="9144000" y="582473"/>
-                </a:cubicBezTo>
-                <a:cubicBezTo>
-                  <a:pt x="9155693" y="724392"/>
-                  <a:pt x="9144504" y="1032333"/>
-                  <a:pt x="9144000" y="1188720"/>
-                </a:cubicBezTo>
-                <a:cubicBezTo>
-                  <a:pt x="8988970" y="1199020"/>
-                  <a:pt x="8866044" y="1195548"/>
-                  <a:pt x="8765177" y="1188720"/>
-                </a:cubicBezTo>
-                <a:cubicBezTo>
-                  <a:pt x="8664310" y="1181892"/>
-                  <a:pt x="8307230" y="1228341"/>
-                  <a:pt x="7929154" y="1188720"/>
-                </a:cubicBezTo>
-                <a:cubicBezTo>
-                  <a:pt x="7551078" y="1149099"/>
-                  <a:pt x="7499748" y="1178759"/>
-                  <a:pt x="7184571" y="1188720"/>
-                </a:cubicBezTo>
-                <a:cubicBezTo>
-                  <a:pt x="6869394" y="1198681"/>
-                  <a:pt x="6636692" y="1169648"/>
-                  <a:pt x="6439989" y="1188720"/>
-                </a:cubicBezTo>
-                <a:cubicBezTo>
-                  <a:pt x="6243286" y="1207792"/>
-                  <a:pt x="5997961" y="1199494"/>
-                  <a:pt x="5695406" y="1188720"/>
-                </a:cubicBezTo>
-                <a:cubicBezTo>
-                  <a:pt x="5392851" y="1177946"/>
-                  <a:pt x="5342275" y="1201228"/>
-                  <a:pt x="5225143" y="1188720"/>
-                </a:cubicBezTo>
-                <a:cubicBezTo>
-                  <a:pt x="5108011" y="1176212"/>
-                  <a:pt x="4779838" y="1151330"/>
-                  <a:pt x="4389120" y="1188720"/>
-                </a:cubicBezTo>
-                <a:cubicBezTo>
-                  <a:pt x="3998402" y="1226110"/>
-                  <a:pt x="3962958" y="1213539"/>
-                  <a:pt x="3735977" y="1188720"/>
-                </a:cubicBezTo>
-                <a:cubicBezTo>
-                  <a:pt x="3508996" y="1163901"/>
-                  <a:pt x="3439339" y="1197704"/>
-                  <a:pt x="3357154" y="1188720"/>
-                </a:cubicBezTo>
-                <a:cubicBezTo>
-                  <a:pt x="3274969" y="1179736"/>
-                  <a:pt x="2881294" y="1205973"/>
-                  <a:pt x="2704011" y="1188720"/>
-                </a:cubicBezTo>
-                <a:cubicBezTo>
-                  <a:pt x="2526728" y="1171467"/>
-                  <a:pt x="2311240" y="1175527"/>
-                  <a:pt x="2142309" y="1188720"/>
-                </a:cubicBezTo>
-                <a:cubicBezTo>
-                  <a:pt x="1973378" y="1201913"/>
-                  <a:pt x="1820108" y="1165033"/>
-                  <a:pt x="1580606" y="1188720"/>
-                </a:cubicBezTo>
-                <a:cubicBezTo>
-                  <a:pt x="1341104" y="1212407"/>
-                  <a:pt x="1159507" y="1176609"/>
-                  <a:pt x="1018903" y="1188720"/>
-                </a:cubicBezTo>
-                <a:cubicBezTo>
-                  <a:pt x="878299" y="1200831"/>
-                  <a:pt x="259087" y="1233092"/>
-                  <a:pt x="0" y="1188720"/>
-                </a:cubicBezTo>
-                <a:cubicBezTo>
-                  <a:pt x="16745" y="957713"/>
-                  <a:pt x="9790" y="875333"/>
-                  <a:pt x="0" y="582473"/>
-                </a:cubicBezTo>
-                <a:cubicBezTo>
-                  <a:pt x="-9790" y="289613"/>
-                  <a:pt x="9950" y="281803"/>
+                  <a:pt x="215645" y="-6630"/>
+                  <a:pt x="304735" y="3983"/>
+                  <a:pt x="465125" y="0"/>
+                </a:cubicBezTo>
+                <a:cubicBezTo>
+                  <a:pt x="625515" y="-3983"/>
+                  <a:pt x="1081646" y="-32275"/>
+                  <a:pt x="1262482" y="0"/>
+                </a:cubicBezTo>
+                <a:cubicBezTo>
+                  <a:pt x="1443318" y="32275"/>
+                  <a:pt x="1666946" y="-8448"/>
+                  <a:pt x="1993392" y="0"/>
+                </a:cubicBezTo>
+                <a:cubicBezTo>
+                  <a:pt x="2319838" y="8448"/>
+                  <a:pt x="2325312" y="-766"/>
+                  <a:pt x="2458517" y="0"/>
+                </a:cubicBezTo>
+                <a:cubicBezTo>
+                  <a:pt x="2591722" y="766"/>
+                  <a:pt x="2793067" y="-1199"/>
+                  <a:pt x="3056534" y="0"/>
+                </a:cubicBezTo>
+                <a:cubicBezTo>
+                  <a:pt x="3320001" y="1199"/>
+                  <a:pt x="3592413" y="18673"/>
+                  <a:pt x="3853891" y="0"/>
+                </a:cubicBezTo>
+                <a:cubicBezTo>
+                  <a:pt x="4115369" y="-18673"/>
+                  <a:pt x="4212415" y="22043"/>
+                  <a:pt x="4518355" y="0"/>
+                </a:cubicBezTo>
+                <a:cubicBezTo>
+                  <a:pt x="4824295" y="-22043"/>
+                  <a:pt x="4896313" y="-27734"/>
+                  <a:pt x="5249266" y="0"/>
+                </a:cubicBezTo>
+                <a:cubicBezTo>
+                  <a:pt x="5602219" y="27734"/>
+                  <a:pt x="5722482" y="13805"/>
+                  <a:pt x="5847283" y="0"/>
+                </a:cubicBezTo>
+                <a:cubicBezTo>
+                  <a:pt x="5972084" y="-13805"/>
+                  <a:pt x="6324059" y="1909"/>
+                  <a:pt x="6644640" y="0"/>
+                </a:cubicBezTo>
+                <a:cubicBezTo>
+                  <a:pt x="6629024" y="237681"/>
+                  <a:pt x="6646612" y="371358"/>
+                  <a:pt x="6644640" y="523037"/>
+                </a:cubicBezTo>
+                <a:cubicBezTo>
+                  <a:pt x="6642668" y="674716"/>
+                  <a:pt x="6646967" y="772898"/>
+                  <a:pt x="6644640" y="1005840"/>
+                </a:cubicBezTo>
+                <a:cubicBezTo>
+                  <a:pt x="6533189" y="998728"/>
+                  <a:pt x="6303073" y="1021549"/>
+                  <a:pt x="6179515" y="1005840"/>
+                </a:cubicBezTo>
+                <a:cubicBezTo>
+                  <a:pt x="6055958" y="990131"/>
+                  <a:pt x="5819446" y="1013013"/>
+                  <a:pt x="5714390" y="1005840"/>
+                </a:cubicBezTo>
+                <a:cubicBezTo>
+                  <a:pt x="5609334" y="998667"/>
+                  <a:pt x="5302342" y="971666"/>
+                  <a:pt x="4983480" y="1005840"/>
+                </a:cubicBezTo>
+                <a:cubicBezTo>
+                  <a:pt x="4664618" y="1040015"/>
+                  <a:pt x="4704315" y="1025978"/>
+                  <a:pt x="4518355" y="1005840"/>
+                </a:cubicBezTo>
+                <a:cubicBezTo>
+                  <a:pt x="4332396" y="985702"/>
+                  <a:pt x="4001816" y="987906"/>
+                  <a:pt x="3853891" y="1005840"/>
+                </a:cubicBezTo>
+                <a:cubicBezTo>
+                  <a:pt x="3705966" y="1023774"/>
+                  <a:pt x="3574189" y="991804"/>
+                  <a:pt x="3322320" y="1005840"/>
+                </a:cubicBezTo>
+                <a:cubicBezTo>
+                  <a:pt x="3070451" y="1019876"/>
+                  <a:pt x="2968655" y="997229"/>
+                  <a:pt x="2657856" y="1005840"/>
+                </a:cubicBezTo>
+                <a:cubicBezTo>
+                  <a:pt x="2347057" y="1014451"/>
+                  <a:pt x="2197224" y="1035322"/>
+                  <a:pt x="1993392" y="1005840"/>
+                </a:cubicBezTo>
+                <a:cubicBezTo>
+                  <a:pt x="1789560" y="976358"/>
+                  <a:pt x="1636922" y="1018503"/>
+                  <a:pt x="1328928" y="1005840"/>
+                </a:cubicBezTo>
+                <a:cubicBezTo>
+                  <a:pt x="1020934" y="993177"/>
+                  <a:pt x="985751" y="982119"/>
+                  <a:pt x="664464" y="1005840"/>
+                </a:cubicBezTo>
+                <a:cubicBezTo>
+                  <a:pt x="343177" y="1029561"/>
+                  <a:pt x="258003" y="1000878"/>
+                  <a:pt x="0" y="1005840"/>
+                </a:cubicBezTo>
+                <a:cubicBezTo>
+                  <a:pt x="-23620" y="829185"/>
+                  <a:pt x="2391" y="606762"/>
+                  <a:pt x="0" y="492862"/>
+                </a:cubicBezTo>
+                <a:cubicBezTo>
+                  <a:pt x="-2391" y="378962"/>
+                  <a:pt x="-14767" y="111269"/>
                   <a:pt x="0" y="0"/>
                 </a:cubicBezTo>
                 <a:close/>
               </a:path>
-              <a:path w="9144000" h="1188720" stroke="0" extrusionOk="0">
+              <a:path w="6644640" h="1005840" stroke="0" extrusionOk="0">
                 <a:moveTo>
                   <a:pt x="0" y="0"/>
                 </a:moveTo>
                 <a:cubicBezTo>
-                  <a:pt x="198878" y="-10557"/>
-                  <a:pt x="407088" y="-8082"/>
-                  <a:pt x="561703" y="0"/>
-                </a:cubicBezTo>
-                <a:cubicBezTo>
-                  <a:pt x="716318" y="8082"/>
-                  <a:pt x="835202" y="-18772"/>
-                  <a:pt x="940526" y="0"/>
-                </a:cubicBezTo>
-                <a:cubicBezTo>
-                  <a:pt x="1045850" y="18772"/>
-                  <a:pt x="1393324" y="-3579"/>
-                  <a:pt x="1776549" y="0"/>
-                </a:cubicBezTo>
-                <a:cubicBezTo>
-                  <a:pt x="2159774" y="3579"/>
-                  <a:pt x="2190081" y="-10610"/>
-                  <a:pt x="2338251" y="0"/>
-                </a:cubicBezTo>
-                <a:cubicBezTo>
-                  <a:pt x="2486421" y="10610"/>
-                  <a:pt x="2645997" y="17984"/>
-                  <a:pt x="2899954" y="0"/>
-                </a:cubicBezTo>
-                <a:cubicBezTo>
-                  <a:pt x="3153911" y="-17984"/>
-                  <a:pt x="3493774" y="11651"/>
-                  <a:pt x="3735977" y="0"/>
-                </a:cubicBezTo>
-                <a:cubicBezTo>
-                  <a:pt x="3978180" y="-11651"/>
-                  <a:pt x="4089476" y="16082"/>
-                  <a:pt x="4206240" y="0"/>
-                </a:cubicBezTo>
-                <a:cubicBezTo>
-                  <a:pt x="4323004" y="-16082"/>
-                  <a:pt x="4870551" y="33406"/>
-                  <a:pt x="5042263" y="0"/>
-                </a:cubicBezTo>
-                <a:cubicBezTo>
-                  <a:pt x="5213975" y="-33406"/>
-                  <a:pt x="5518384" y="-39039"/>
-                  <a:pt x="5878286" y="0"/>
-                </a:cubicBezTo>
-                <a:cubicBezTo>
-                  <a:pt x="6238188" y="39039"/>
-                  <a:pt x="6358789" y="24913"/>
-                  <a:pt x="6531429" y="0"/>
-                </a:cubicBezTo>
-                <a:cubicBezTo>
-                  <a:pt x="6704069" y="-24913"/>
-                  <a:pt x="7047419" y="-5128"/>
-                  <a:pt x="7367451" y="0"/>
-                </a:cubicBezTo>
-                <a:cubicBezTo>
-                  <a:pt x="7687483" y="5128"/>
-                  <a:pt x="7814430" y="-16092"/>
-                  <a:pt x="7929154" y="0"/>
-                </a:cubicBezTo>
-                <a:cubicBezTo>
-                  <a:pt x="8043878" y="16092"/>
-                  <a:pt x="8250575" y="-17929"/>
-                  <a:pt x="8490857" y="0"/>
-                </a:cubicBezTo>
-                <a:cubicBezTo>
-                  <a:pt x="8731139" y="17929"/>
-                  <a:pt x="8898894" y="-15257"/>
-                  <a:pt x="9144000" y="0"/>
-                </a:cubicBezTo>
-                <a:cubicBezTo>
-                  <a:pt x="9172675" y="204553"/>
-                  <a:pt x="9139152" y="453158"/>
-                  <a:pt x="9144000" y="582473"/>
-                </a:cubicBezTo>
-                <a:cubicBezTo>
-                  <a:pt x="9148848" y="711788"/>
-                  <a:pt x="9166558" y="947698"/>
-                  <a:pt x="9144000" y="1188720"/>
-                </a:cubicBezTo>
-                <a:cubicBezTo>
-                  <a:pt x="8945849" y="1190520"/>
-                  <a:pt x="8642473" y="1190710"/>
-                  <a:pt x="8399417" y="1188720"/>
-                </a:cubicBezTo>
-                <a:cubicBezTo>
-                  <a:pt x="8156361" y="1186730"/>
-                  <a:pt x="8000910" y="1169017"/>
-                  <a:pt x="7746274" y="1188720"/>
-                </a:cubicBezTo>
-                <a:cubicBezTo>
-                  <a:pt x="7491638" y="1208423"/>
-                  <a:pt x="7539137" y="1194736"/>
-                  <a:pt x="7367451" y="1188720"/>
-                </a:cubicBezTo>
-                <a:cubicBezTo>
-                  <a:pt x="7195765" y="1182704"/>
-                  <a:pt x="7103813" y="1171890"/>
-                  <a:pt x="6897189" y="1188720"/>
-                </a:cubicBezTo>
-                <a:cubicBezTo>
-                  <a:pt x="6690565" y="1205550"/>
-                  <a:pt x="6424425" y="1208132"/>
-                  <a:pt x="6061166" y="1188720"/>
-                </a:cubicBezTo>
-                <a:cubicBezTo>
-                  <a:pt x="5697907" y="1169308"/>
-                  <a:pt x="5680290" y="1192972"/>
-                  <a:pt x="5408023" y="1188720"/>
-                </a:cubicBezTo>
-                <a:cubicBezTo>
-                  <a:pt x="5135756" y="1184468"/>
-                  <a:pt x="5104702" y="1171322"/>
-                  <a:pt x="4937760" y="1188720"/>
-                </a:cubicBezTo>
-                <a:cubicBezTo>
-                  <a:pt x="4770818" y="1206118"/>
-                  <a:pt x="4524353" y="1187182"/>
-                  <a:pt x="4284617" y="1188720"/>
-                </a:cubicBezTo>
-                <a:cubicBezTo>
-                  <a:pt x="4044881" y="1190258"/>
-                  <a:pt x="4062748" y="1207211"/>
-                  <a:pt x="3905794" y="1188720"/>
-                </a:cubicBezTo>
-                <a:cubicBezTo>
-                  <a:pt x="3748840" y="1170229"/>
-                  <a:pt x="3669854" y="1179105"/>
-                  <a:pt x="3526971" y="1188720"/>
-                </a:cubicBezTo>
-                <a:cubicBezTo>
-                  <a:pt x="3384088" y="1198335"/>
-                  <a:pt x="3195773" y="1164236"/>
-                  <a:pt x="2873829" y="1188720"/>
-                </a:cubicBezTo>
-                <a:cubicBezTo>
-                  <a:pt x="2551885" y="1213204"/>
-                  <a:pt x="2520987" y="1175002"/>
-                  <a:pt x="2403566" y="1188720"/>
-                </a:cubicBezTo>
-                <a:cubicBezTo>
-                  <a:pt x="2286145" y="1202438"/>
-                  <a:pt x="1914274" y="1163139"/>
-                  <a:pt x="1658983" y="1188720"/>
-                </a:cubicBezTo>
-                <a:cubicBezTo>
-                  <a:pt x="1403692" y="1214301"/>
-                  <a:pt x="1353305" y="1174520"/>
-                  <a:pt x="1188720" y="1188720"/>
-                </a:cubicBezTo>
-                <a:cubicBezTo>
-                  <a:pt x="1024135" y="1202920"/>
-                  <a:pt x="516889" y="1247526"/>
-                  <a:pt x="0" y="1188720"/>
-                </a:cubicBezTo>
-                <a:cubicBezTo>
-                  <a:pt x="13816" y="962603"/>
-                  <a:pt x="-13026" y="760994"/>
-                  <a:pt x="0" y="630022"/>
-                </a:cubicBezTo>
-                <a:cubicBezTo>
-                  <a:pt x="13026" y="499050"/>
-                  <a:pt x="22708" y="183063"/>
+                  <a:pt x="276143" y="574"/>
+                  <a:pt x="399293" y="-17665"/>
+                  <a:pt x="598018" y="0"/>
+                </a:cubicBezTo>
+                <a:cubicBezTo>
+                  <a:pt x="796743" y="17665"/>
+                  <a:pt x="966891" y="-6447"/>
+                  <a:pt x="1063142" y="0"/>
+                </a:cubicBezTo>
+                <a:cubicBezTo>
+                  <a:pt x="1159393" y="6447"/>
+                  <a:pt x="1484589" y="13654"/>
+                  <a:pt x="1860499" y="0"/>
+                </a:cubicBezTo>
+                <a:cubicBezTo>
+                  <a:pt x="2236409" y="-13654"/>
+                  <a:pt x="2232496" y="15192"/>
+                  <a:pt x="2458517" y="0"/>
+                </a:cubicBezTo>
+                <a:cubicBezTo>
+                  <a:pt x="2684538" y="-15192"/>
+                  <a:pt x="2776118" y="14955"/>
+                  <a:pt x="3056534" y="0"/>
+                </a:cubicBezTo>
+                <a:cubicBezTo>
+                  <a:pt x="3336950" y="-14955"/>
+                  <a:pt x="3655197" y="19098"/>
+                  <a:pt x="3853891" y="0"/>
+                </a:cubicBezTo>
+                <a:cubicBezTo>
+                  <a:pt x="4052585" y="-19098"/>
+                  <a:pt x="4220568" y="-178"/>
+                  <a:pt x="4385462" y="0"/>
+                </a:cubicBezTo>
+                <a:cubicBezTo>
+                  <a:pt x="4550356" y="178"/>
+                  <a:pt x="5022141" y="1791"/>
+                  <a:pt x="5182819" y="0"/>
+                </a:cubicBezTo>
+                <a:cubicBezTo>
+                  <a:pt x="5343497" y="-1791"/>
+                  <a:pt x="5721701" y="7243"/>
+                  <a:pt x="5980176" y="0"/>
+                </a:cubicBezTo>
+                <a:cubicBezTo>
+                  <a:pt x="6238651" y="-7243"/>
+                  <a:pt x="6477033" y="-29601"/>
+                  <a:pt x="6644640" y="0"/>
+                </a:cubicBezTo>
+                <a:cubicBezTo>
+                  <a:pt x="6654477" y="135158"/>
+                  <a:pt x="6664835" y="330975"/>
+                  <a:pt x="6644640" y="523037"/>
+                </a:cubicBezTo>
+                <a:cubicBezTo>
+                  <a:pt x="6624445" y="715099"/>
+                  <a:pt x="6645860" y="814575"/>
+                  <a:pt x="6644640" y="1005840"/>
+                </a:cubicBezTo>
+                <a:cubicBezTo>
+                  <a:pt x="6463041" y="1002422"/>
+                  <a:pt x="6397537" y="1022782"/>
+                  <a:pt x="6179515" y="1005840"/>
+                </a:cubicBezTo>
+                <a:cubicBezTo>
+                  <a:pt x="5961494" y="988898"/>
+                  <a:pt x="5773729" y="1019862"/>
+                  <a:pt x="5382158" y="1005840"/>
+                </a:cubicBezTo>
+                <a:cubicBezTo>
+                  <a:pt x="4990587" y="991818"/>
+                  <a:pt x="5038334" y="1003397"/>
+                  <a:pt x="4850587" y="1005840"/>
+                </a:cubicBezTo>
+                <a:cubicBezTo>
+                  <a:pt x="4662840" y="1008283"/>
+                  <a:pt x="4455152" y="1005782"/>
+                  <a:pt x="4186123" y="1005840"/>
+                </a:cubicBezTo>
+                <a:cubicBezTo>
+                  <a:pt x="3917094" y="1005898"/>
+                  <a:pt x="3641941" y="1036936"/>
+                  <a:pt x="3388766" y="1005840"/>
+                </a:cubicBezTo>
+                <a:cubicBezTo>
+                  <a:pt x="3135591" y="974744"/>
+                  <a:pt x="2964983" y="1037845"/>
+                  <a:pt x="2724302" y="1005840"/>
+                </a:cubicBezTo>
+                <a:cubicBezTo>
+                  <a:pt x="2483621" y="973835"/>
+                  <a:pt x="2474480" y="1003635"/>
+                  <a:pt x="2259178" y="1005840"/>
+                </a:cubicBezTo>
+                <a:cubicBezTo>
+                  <a:pt x="2043876" y="1008045"/>
+                  <a:pt x="1838695" y="1017914"/>
+                  <a:pt x="1727606" y="1005840"/>
+                </a:cubicBezTo>
+                <a:cubicBezTo>
+                  <a:pt x="1616517" y="993766"/>
+                  <a:pt x="1108250" y="1001147"/>
+                  <a:pt x="930250" y="1005840"/>
+                </a:cubicBezTo>
+                <a:cubicBezTo>
+                  <a:pt x="752250" y="1010533"/>
+                  <a:pt x="426397" y="993486"/>
+                  <a:pt x="0" y="1005840"/>
+                </a:cubicBezTo>
+                <a:cubicBezTo>
+                  <a:pt x="-4909" y="786001"/>
+                  <a:pt x="-14957" y="757043"/>
+                  <a:pt x="0" y="523037"/>
+                </a:cubicBezTo>
+                <a:cubicBezTo>
+                  <a:pt x="14957" y="289031"/>
+                  <a:pt x="-6819" y="149670"/>
                   <a:pt x="0" y="0"/>
                 </a:cubicBezTo>
                 <a:close/>
@@ -4220,6 +3990,797 @@
 </file>
 
 <file path=ppt/slides/slide3.xml><?xml version="1.0" encoding="utf-8"?>
+<p:sld xmlns:a="http://schemas.openxmlformats.org/drawingml/2006/main" xmlns:r="http://schemas.openxmlformats.org/officeDocument/2006/relationships" xmlns:p="http://schemas.openxmlformats.org/presentationml/2006/main">
+  <p:cSld name="Slide 4">
+    <p:spTree>
+      <p:nvGrpSpPr>
+        <p:cNvPr id="1" name=""/>
+        <p:cNvGrpSpPr/>
+        <p:nvPr/>
+      </p:nvGrpSpPr>
+      <p:grpSpPr>
+        <a:xfrm>
+          <a:off x="0" y="0"/>
+          <a:ext cx="0" cy="0"/>
+          <a:chOff x="0" y="0"/>
+          <a:chExt cx="0" cy="0"/>
+        </a:xfrm>
+      </p:grpSpPr>
+      <p:sp>
+        <p:nvSpPr>
+          <p:cNvPr id="2" name="Text 0"/>
+          <p:cNvSpPr>
+            <a:spLocks noGrp="1" noRot="1" noMove="1" noResize="1" noEditPoints="1" noAdjustHandles="1" noChangeArrowheads="1" noChangeShapeType="1"/>
+          </p:cNvSpPr>
+          <p:nvPr/>
+        </p:nvSpPr>
+        <p:spPr>
+          <a:xfrm>
+            <a:off x="-914400" y="0"/>
+            <a:ext cx="10972800" cy="731520"/>
+          </a:xfrm>
+          <a:prstGeom prst="rect">
+            <a:avLst/>
+          </a:prstGeom>
+          <a:noFill/>
+          <a:ln/>
+        </p:spPr>
+        <p:txBody>
+          <a:bodyPr wrap="square" rtlCol="0" anchor="ctr"/>
+          <a:lstStyle/>
+          <a:p>
+            <a:pPr marL="0" indent="0" algn="ctr">
+              <a:buNone/>
+            </a:pPr>
+            <a:r>
+              <a:rPr lang="en-US" sz="3600" b="1" dirty="0">
+                <a:solidFill>
+                  <a:srgbClr val="006064"/>
+                </a:solidFill>
+              </a:rPr>
+              <a:t>Цель</a:t>
+            </a:r>
+            <a:endParaRPr lang="en-US" sz="3600" dirty="0"/>
+          </a:p>
+        </p:txBody>
+      </p:sp>
+      <p:grpSp>
+        <p:nvGrpSpPr>
+          <p:cNvPr id="6" name="Группа 5">
+            <a:extLst>
+              <a:ext uri="{FF2B5EF4-FFF2-40B4-BE49-F238E27FC236}">
+                <a16:creationId xmlns:a16="http://schemas.microsoft.com/office/drawing/2014/main" id="{C478448E-C23A-D10E-A009-21F12ECAC4D4}"/>
+              </a:ext>
+            </a:extLst>
+          </p:cNvPr>
+          <p:cNvGrpSpPr/>
+          <p:nvPr/>
+        </p:nvGrpSpPr>
+        <p:grpSpPr>
+          <a:xfrm>
+            <a:off x="976393" y="1565910"/>
+            <a:ext cx="7191214" cy="2011680"/>
+            <a:chOff x="1371600" y="2286000"/>
+            <a:chExt cx="9144000" cy="2011680"/>
+          </a:xfrm>
+        </p:grpSpPr>
+        <p:sp>
+          <p:nvSpPr>
+            <p:cNvPr id="3" name="Shape 1"/>
+            <p:cNvSpPr/>
+            <p:nvPr/>
+          </p:nvSpPr>
+          <p:spPr>
+            <a:xfrm>
+              <a:off x="1371600" y="2286000"/>
+              <a:ext cx="9144000" cy="2011680"/>
+            </a:xfrm>
+            <a:custGeom>
+              <a:avLst/>
+              <a:gdLst>
+                <a:gd name="connsiteX0" fmla="*/ 0 w 9144000"/>
+                <a:gd name="connsiteY0" fmla="*/ 0 h 2011680"/>
+                <a:gd name="connsiteX1" fmla="*/ 836023 w 9144000"/>
+                <a:gd name="connsiteY1" fmla="*/ 0 h 2011680"/>
+                <a:gd name="connsiteX2" fmla="*/ 1306286 w 9144000"/>
+                <a:gd name="connsiteY2" fmla="*/ 0 h 2011680"/>
+                <a:gd name="connsiteX3" fmla="*/ 1959429 w 9144000"/>
+                <a:gd name="connsiteY3" fmla="*/ 0 h 2011680"/>
+                <a:gd name="connsiteX4" fmla="*/ 2704011 w 9144000"/>
+                <a:gd name="connsiteY4" fmla="*/ 0 h 2011680"/>
+                <a:gd name="connsiteX5" fmla="*/ 3082834 w 9144000"/>
+                <a:gd name="connsiteY5" fmla="*/ 0 h 2011680"/>
+                <a:gd name="connsiteX6" fmla="*/ 3461657 w 9144000"/>
+                <a:gd name="connsiteY6" fmla="*/ 0 h 2011680"/>
+                <a:gd name="connsiteX7" fmla="*/ 4297680 w 9144000"/>
+                <a:gd name="connsiteY7" fmla="*/ 0 h 2011680"/>
+                <a:gd name="connsiteX8" fmla="*/ 4950823 w 9144000"/>
+                <a:gd name="connsiteY8" fmla="*/ 0 h 2011680"/>
+                <a:gd name="connsiteX9" fmla="*/ 5329646 w 9144000"/>
+                <a:gd name="connsiteY9" fmla="*/ 0 h 2011680"/>
+                <a:gd name="connsiteX10" fmla="*/ 5982789 w 9144000"/>
+                <a:gd name="connsiteY10" fmla="*/ 0 h 2011680"/>
+                <a:gd name="connsiteX11" fmla="*/ 6818811 w 9144000"/>
+                <a:gd name="connsiteY11" fmla="*/ 0 h 2011680"/>
+                <a:gd name="connsiteX12" fmla="*/ 7380514 w 9144000"/>
+                <a:gd name="connsiteY12" fmla="*/ 0 h 2011680"/>
+                <a:gd name="connsiteX13" fmla="*/ 7942217 w 9144000"/>
+                <a:gd name="connsiteY13" fmla="*/ 0 h 2011680"/>
+                <a:gd name="connsiteX14" fmla="*/ 9144000 w 9144000"/>
+                <a:gd name="connsiteY14" fmla="*/ 0 h 2011680"/>
+                <a:gd name="connsiteX15" fmla="*/ 9144000 w 9144000"/>
+                <a:gd name="connsiteY15" fmla="*/ 690677 h 2011680"/>
+                <a:gd name="connsiteX16" fmla="*/ 9144000 w 9144000"/>
+                <a:gd name="connsiteY16" fmla="*/ 1361237 h 2011680"/>
+                <a:gd name="connsiteX17" fmla="*/ 9144000 w 9144000"/>
+                <a:gd name="connsiteY17" fmla="*/ 2011680 h 2011680"/>
+                <a:gd name="connsiteX18" fmla="*/ 8582297 w 9144000"/>
+                <a:gd name="connsiteY18" fmla="*/ 2011680 h 2011680"/>
+                <a:gd name="connsiteX19" fmla="*/ 8112034 w 9144000"/>
+                <a:gd name="connsiteY19" fmla="*/ 2011680 h 2011680"/>
+                <a:gd name="connsiteX20" fmla="*/ 7276011 w 9144000"/>
+                <a:gd name="connsiteY20" fmla="*/ 2011680 h 2011680"/>
+                <a:gd name="connsiteX21" fmla="*/ 6622869 w 9144000"/>
+                <a:gd name="connsiteY21" fmla="*/ 2011680 h 2011680"/>
+                <a:gd name="connsiteX22" fmla="*/ 6244046 w 9144000"/>
+                <a:gd name="connsiteY22" fmla="*/ 2011680 h 2011680"/>
+                <a:gd name="connsiteX23" fmla="*/ 5590903 w 9144000"/>
+                <a:gd name="connsiteY23" fmla="*/ 2011680 h 2011680"/>
+                <a:gd name="connsiteX24" fmla="*/ 5029200 w 9144000"/>
+                <a:gd name="connsiteY24" fmla="*/ 2011680 h 2011680"/>
+                <a:gd name="connsiteX25" fmla="*/ 4467497 w 9144000"/>
+                <a:gd name="connsiteY25" fmla="*/ 2011680 h 2011680"/>
+                <a:gd name="connsiteX26" fmla="*/ 3905794 w 9144000"/>
+                <a:gd name="connsiteY26" fmla="*/ 2011680 h 2011680"/>
+                <a:gd name="connsiteX27" fmla="*/ 3344091 w 9144000"/>
+                <a:gd name="connsiteY27" fmla="*/ 2011680 h 2011680"/>
+                <a:gd name="connsiteX28" fmla="*/ 2599509 w 9144000"/>
+                <a:gd name="connsiteY28" fmla="*/ 2011680 h 2011680"/>
+                <a:gd name="connsiteX29" fmla="*/ 1946366 w 9144000"/>
+                <a:gd name="connsiteY29" fmla="*/ 2011680 h 2011680"/>
+                <a:gd name="connsiteX30" fmla="*/ 1567543 w 9144000"/>
+                <a:gd name="connsiteY30" fmla="*/ 2011680 h 2011680"/>
+                <a:gd name="connsiteX31" fmla="*/ 1005840 w 9144000"/>
+                <a:gd name="connsiteY31" fmla="*/ 2011680 h 2011680"/>
+                <a:gd name="connsiteX32" fmla="*/ 0 w 9144000"/>
+                <a:gd name="connsiteY32" fmla="*/ 2011680 h 2011680"/>
+                <a:gd name="connsiteX33" fmla="*/ 0 w 9144000"/>
+                <a:gd name="connsiteY33" fmla="*/ 1381354 h 2011680"/>
+                <a:gd name="connsiteX34" fmla="*/ 0 w 9144000"/>
+                <a:gd name="connsiteY34" fmla="*/ 771144 h 2011680"/>
+                <a:gd name="connsiteX35" fmla="*/ 0 w 9144000"/>
+                <a:gd name="connsiteY35" fmla="*/ 0 h 2011680"/>
+              </a:gdLst>
+              <a:ahLst/>
+              <a:cxnLst>
+                <a:cxn ang="0">
+                  <a:pos x="connsiteX0" y="connsiteY0"/>
+                </a:cxn>
+                <a:cxn ang="0">
+                  <a:pos x="connsiteX1" y="connsiteY1"/>
+                </a:cxn>
+                <a:cxn ang="0">
+                  <a:pos x="connsiteX2" y="connsiteY2"/>
+                </a:cxn>
+                <a:cxn ang="0">
+                  <a:pos x="connsiteX3" y="connsiteY3"/>
+                </a:cxn>
+                <a:cxn ang="0">
+                  <a:pos x="connsiteX4" y="connsiteY4"/>
+                </a:cxn>
+                <a:cxn ang="0">
+                  <a:pos x="connsiteX5" y="connsiteY5"/>
+                </a:cxn>
+                <a:cxn ang="0">
+                  <a:pos x="connsiteX6" y="connsiteY6"/>
+                </a:cxn>
+                <a:cxn ang="0">
+                  <a:pos x="connsiteX7" y="connsiteY7"/>
+                </a:cxn>
+                <a:cxn ang="0">
+                  <a:pos x="connsiteX8" y="connsiteY8"/>
+                </a:cxn>
+                <a:cxn ang="0">
+                  <a:pos x="connsiteX9" y="connsiteY9"/>
+                </a:cxn>
+                <a:cxn ang="0">
+                  <a:pos x="connsiteX10" y="connsiteY10"/>
+                </a:cxn>
+                <a:cxn ang="0">
+                  <a:pos x="connsiteX11" y="connsiteY11"/>
+                </a:cxn>
+                <a:cxn ang="0">
+                  <a:pos x="connsiteX12" y="connsiteY12"/>
+                </a:cxn>
+                <a:cxn ang="0">
+                  <a:pos x="connsiteX13" y="connsiteY13"/>
+                </a:cxn>
+                <a:cxn ang="0">
+                  <a:pos x="connsiteX14" y="connsiteY14"/>
+                </a:cxn>
+                <a:cxn ang="0">
+                  <a:pos x="connsiteX15" y="connsiteY15"/>
+                </a:cxn>
+                <a:cxn ang="0">
+                  <a:pos x="connsiteX16" y="connsiteY16"/>
+                </a:cxn>
+                <a:cxn ang="0">
+                  <a:pos x="connsiteX17" y="connsiteY17"/>
+                </a:cxn>
+                <a:cxn ang="0">
+                  <a:pos x="connsiteX18" y="connsiteY18"/>
+                </a:cxn>
+                <a:cxn ang="0">
+                  <a:pos x="connsiteX19" y="connsiteY19"/>
+                </a:cxn>
+                <a:cxn ang="0">
+                  <a:pos x="connsiteX20" y="connsiteY20"/>
+                </a:cxn>
+                <a:cxn ang="0">
+                  <a:pos x="connsiteX21" y="connsiteY21"/>
+                </a:cxn>
+                <a:cxn ang="0">
+                  <a:pos x="connsiteX22" y="connsiteY22"/>
+                </a:cxn>
+                <a:cxn ang="0">
+                  <a:pos x="connsiteX23" y="connsiteY23"/>
+                </a:cxn>
+                <a:cxn ang="0">
+                  <a:pos x="connsiteX24" y="connsiteY24"/>
+                </a:cxn>
+                <a:cxn ang="0">
+                  <a:pos x="connsiteX25" y="connsiteY25"/>
+                </a:cxn>
+                <a:cxn ang="0">
+                  <a:pos x="connsiteX26" y="connsiteY26"/>
+                </a:cxn>
+                <a:cxn ang="0">
+                  <a:pos x="connsiteX27" y="connsiteY27"/>
+                </a:cxn>
+                <a:cxn ang="0">
+                  <a:pos x="connsiteX28" y="connsiteY28"/>
+                </a:cxn>
+                <a:cxn ang="0">
+                  <a:pos x="connsiteX29" y="connsiteY29"/>
+                </a:cxn>
+                <a:cxn ang="0">
+                  <a:pos x="connsiteX30" y="connsiteY30"/>
+                </a:cxn>
+                <a:cxn ang="0">
+                  <a:pos x="connsiteX31" y="connsiteY31"/>
+                </a:cxn>
+                <a:cxn ang="0">
+                  <a:pos x="connsiteX32" y="connsiteY32"/>
+                </a:cxn>
+                <a:cxn ang="0">
+                  <a:pos x="connsiteX33" y="connsiteY33"/>
+                </a:cxn>
+                <a:cxn ang="0">
+                  <a:pos x="connsiteX34" y="connsiteY34"/>
+                </a:cxn>
+                <a:cxn ang="0">
+                  <a:pos x="connsiteX35" y="connsiteY35"/>
+                </a:cxn>
+              </a:cxnLst>
+              <a:rect l="l" t="t" r="r" b="b"/>
+              <a:pathLst>
+                <a:path w="9144000" h="2011680" fill="none" extrusionOk="0">
+                  <a:moveTo>
+                    <a:pt x="0" y="0"/>
+                  </a:moveTo>
+                  <a:cubicBezTo>
+                    <a:pt x="373793" y="19759"/>
+                    <a:pt x="497863" y="-18209"/>
+                    <a:pt x="836023" y="0"/>
+                  </a:cubicBezTo>
+                  <a:cubicBezTo>
+                    <a:pt x="1174183" y="18209"/>
+                    <a:pt x="1079356" y="21107"/>
+                    <a:pt x="1306286" y="0"/>
+                  </a:cubicBezTo>
+                  <a:cubicBezTo>
+                    <a:pt x="1533216" y="-21107"/>
+                    <a:pt x="1808024" y="-25774"/>
+                    <a:pt x="1959429" y="0"/>
+                  </a:cubicBezTo>
+                  <a:cubicBezTo>
+                    <a:pt x="2110834" y="25774"/>
+                    <a:pt x="2442176" y="-26266"/>
+                    <a:pt x="2704011" y="0"/>
+                  </a:cubicBezTo>
+                  <a:cubicBezTo>
+                    <a:pt x="2965846" y="26266"/>
+                    <a:pt x="2900891" y="3204"/>
+                    <a:pt x="3082834" y="0"/>
+                  </a:cubicBezTo>
+                  <a:cubicBezTo>
+                    <a:pt x="3264777" y="-3204"/>
+                    <a:pt x="3359419" y="-5061"/>
+                    <a:pt x="3461657" y="0"/>
+                  </a:cubicBezTo>
+                  <a:cubicBezTo>
+                    <a:pt x="3563895" y="5061"/>
+                    <a:pt x="3898634" y="-5431"/>
+                    <a:pt x="4297680" y="0"/>
+                  </a:cubicBezTo>
+                  <a:cubicBezTo>
+                    <a:pt x="4696726" y="5431"/>
+                    <a:pt x="4734949" y="-7495"/>
+                    <a:pt x="4950823" y="0"/>
+                  </a:cubicBezTo>
+                  <a:cubicBezTo>
+                    <a:pt x="5166697" y="7495"/>
+                    <a:pt x="5214934" y="16437"/>
+                    <a:pt x="5329646" y="0"/>
+                  </a:cubicBezTo>
+                  <a:cubicBezTo>
+                    <a:pt x="5444358" y="-16437"/>
+                    <a:pt x="5757538" y="8318"/>
+                    <a:pt x="5982789" y="0"/>
+                  </a:cubicBezTo>
+                  <a:cubicBezTo>
+                    <a:pt x="6208040" y="-8318"/>
+                    <a:pt x="6407863" y="7703"/>
+                    <a:pt x="6818811" y="0"/>
+                  </a:cubicBezTo>
+                  <a:cubicBezTo>
+                    <a:pt x="7229759" y="-7703"/>
+                    <a:pt x="7231226" y="-11404"/>
+                    <a:pt x="7380514" y="0"/>
+                  </a:cubicBezTo>
+                  <a:cubicBezTo>
+                    <a:pt x="7529802" y="11404"/>
+                    <a:pt x="7773575" y="-5679"/>
+                    <a:pt x="7942217" y="0"/>
+                  </a:cubicBezTo>
+                  <a:cubicBezTo>
+                    <a:pt x="8110859" y="5679"/>
+                    <a:pt x="8659252" y="-43749"/>
+                    <a:pt x="9144000" y="0"/>
+                  </a:cubicBezTo>
+                  <a:cubicBezTo>
+                    <a:pt x="9109796" y="169254"/>
+                    <a:pt x="9131395" y="422507"/>
+                    <a:pt x="9144000" y="690677"/>
+                  </a:cubicBezTo>
+                  <a:cubicBezTo>
+                    <a:pt x="9156605" y="958847"/>
+                    <a:pt x="9174470" y="1191579"/>
+                    <a:pt x="9144000" y="1361237"/>
+                  </a:cubicBezTo>
+                  <a:cubicBezTo>
+                    <a:pt x="9113530" y="1530895"/>
+                    <a:pt x="9172414" y="1798308"/>
+                    <a:pt x="9144000" y="2011680"/>
+                  </a:cubicBezTo>
+                  <a:cubicBezTo>
+                    <a:pt x="8920051" y="2006340"/>
+                    <a:pt x="8739687" y="1988594"/>
+                    <a:pt x="8582297" y="2011680"/>
+                  </a:cubicBezTo>
+                  <a:cubicBezTo>
+                    <a:pt x="8424907" y="2034766"/>
+                    <a:pt x="8229166" y="2024188"/>
+                    <a:pt x="8112034" y="2011680"/>
+                  </a:cubicBezTo>
+                  <a:cubicBezTo>
+                    <a:pt x="7994902" y="1999172"/>
+                    <a:pt x="7666729" y="1974290"/>
+                    <a:pt x="7276011" y="2011680"/>
+                  </a:cubicBezTo>
+                  <a:cubicBezTo>
+                    <a:pt x="6885293" y="2049070"/>
+                    <a:pt x="6843933" y="2034321"/>
+                    <a:pt x="6622869" y="2011680"/>
+                  </a:cubicBezTo>
+                  <a:cubicBezTo>
+                    <a:pt x="6401805" y="1989039"/>
+                    <a:pt x="6326231" y="2020664"/>
+                    <a:pt x="6244046" y="2011680"/>
+                  </a:cubicBezTo>
+                  <a:cubicBezTo>
+                    <a:pt x="6161861" y="2002696"/>
+                    <a:pt x="5768186" y="2028933"/>
+                    <a:pt x="5590903" y="2011680"/>
+                  </a:cubicBezTo>
+                  <a:cubicBezTo>
+                    <a:pt x="5413620" y="1994427"/>
+                    <a:pt x="5201352" y="2005562"/>
+                    <a:pt x="5029200" y="2011680"/>
+                  </a:cubicBezTo>
+                  <a:cubicBezTo>
+                    <a:pt x="4857048" y="2017798"/>
+                    <a:pt x="4706999" y="1987993"/>
+                    <a:pt x="4467497" y="2011680"/>
+                  </a:cubicBezTo>
+                  <a:cubicBezTo>
+                    <a:pt x="4227995" y="2035367"/>
+                    <a:pt x="4046398" y="1999569"/>
+                    <a:pt x="3905794" y="2011680"/>
+                  </a:cubicBezTo>
+                  <a:cubicBezTo>
+                    <a:pt x="3765190" y="2023791"/>
+                    <a:pt x="3464072" y="2014973"/>
+                    <a:pt x="3344091" y="2011680"/>
+                  </a:cubicBezTo>
+                  <a:cubicBezTo>
+                    <a:pt x="3224110" y="2008387"/>
+                    <a:pt x="2805478" y="2035940"/>
+                    <a:pt x="2599509" y="2011680"/>
+                  </a:cubicBezTo>
+                  <a:cubicBezTo>
+                    <a:pt x="2393540" y="1987420"/>
+                    <a:pt x="2176705" y="2004185"/>
+                    <a:pt x="1946366" y="2011680"/>
+                  </a:cubicBezTo>
+                  <a:cubicBezTo>
+                    <a:pt x="1716027" y="2019175"/>
+                    <a:pt x="1739133" y="2014504"/>
+                    <a:pt x="1567543" y="2011680"/>
+                  </a:cubicBezTo>
+                  <a:cubicBezTo>
+                    <a:pt x="1395953" y="2008856"/>
+                    <a:pt x="1173413" y="2010856"/>
+                    <a:pt x="1005840" y="2011680"/>
+                  </a:cubicBezTo>
+                  <a:cubicBezTo>
+                    <a:pt x="838267" y="2012504"/>
+                    <a:pt x="287961" y="1969700"/>
+                    <a:pt x="0" y="2011680"/>
+                  </a:cubicBezTo>
+                  <a:cubicBezTo>
+                    <a:pt x="13647" y="1881965"/>
+                    <a:pt x="-8760" y="1535437"/>
+                    <a:pt x="0" y="1381354"/>
+                  </a:cubicBezTo>
+                  <a:cubicBezTo>
+                    <a:pt x="8760" y="1227271"/>
+                    <a:pt x="25645" y="998910"/>
+                    <a:pt x="0" y="771144"/>
+                  </a:cubicBezTo>
+                  <a:cubicBezTo>
+                    <a:pt x="-25645" y="543378"/>
+                    <a:pt x="-5383" y="181523"/>
+                    <a:pt x="0" y="0"/>
+                  </a:cubicBezTo>
+                  <a:close/>
+                </a:path>
+                <a:path w="9144000" h="2011680" stroke="0" extrusionOk="0">
+                  <a:moveTo>
+                    <a:pt x="0" y="0"/>
+                  </a:moveTo>
+                  <a:cubicBezTo>
+                    <a:pt x="198878" y="-10557"/>
+                    <a:pt x="407088" y="-8082"/>
+                    <a:pt x="561703" y="0"/>
+                  </a:cubicBezTo>
+                  <a:cubicBezTo>
+                    <a:pt x="716318" y="8082"/>
+                    <a:pt x="835202" y="-18772"/>
+                    <a:pt x="940526" y="0"/>
+                  </a:cubicBezTo>
+                  <a:cubicBezTo>
+                    <a:pt x="1045850" y="18772"/>
+                    <a:pt x="1393324" y="-3579"/>
+                    <a:pt x="1776549" y="0"/>
+                  </a:cubicBezTo>
+                  <a:cubicBezTo>
+                    <a:pt x="2159774" y="3579"/>
+                    <a:pt x="2190081" y="-10610"/>
+                    <a:pt x="2338251" y="0"/>
+                  </a:cubicBezTo>
+                  <a:cubicBezTo>
+                    <a:pt x="2486421" y="10610"/>
+                    <a:pt x="2645997" y="17984"/>
+                    <a:pt x="2899954" y="0"/>
+                  </a:cubicBezTo>
+                  <a:cubicBezTo>
+                    <a:pt x="3153911" y="-17984"/>
+                    <a:pt x="3493774" y="11651"/>
+                    <a:pt x="3735977" y="0"/>
+                  </a:cubicBezTo>
+                  <a:cubicBezTo>
+                    <a:pt x="3978180" y="-11651"/>
+                    <a:pt x="4089476" y="16082"/>
+                    <a:pt x="4206240" y="0"/>
+                  </a:cubicBezTo>
+                  <a:cubicBezTo>
+                    <a:pt x="4323004" y="-16082"/>
+                    <a:pt x="4870551" y="33406"/>
+                    <a:pt x="5042263" y="0"/>
+                  </a:cubicBezTo>
+                  <a:cubicBezTo>
+                    <a:pt x="5213975" y="-33406"/>
+                    <a:pt x="5518384" y="-39039"/>
+                    <a:pt x="5878286" y="0"/>
+                  </a:cubicBezTo>
+                  <a:cubicBezTo>
+                    <a:pt x="6238188" y="39039"/>
+                    <a:pt x="6358789" y="24913"/>
+                    <a:pt x="6531429" y="0"/>
+                  </a:cubicBezTo>
+                  <a:cubicBezTo>
+                    <a:pt x="6704069" y="-24913"/>
+                    <a:pt x="7047419" y="-5128"/>
+                    <a:pt x="7367451" y="0"/>
+                  </a:cubicBezTo>
+                  <a:cubicBezTo>
+                    <a:pt x="7687483" y="5128"/>
+                    <a:pt x="7814430" y="-16092"/>
+                    <a:pt x="7929154" y="0"/>
+                  </a:cubicBezTo>
+                  <a:cubicBezTo>
+                    <a:pt x="8043878" y="16092"/>
+                    <a:pt x="8250575" y="-17929"/>
+                    <a:pt x="8490857" y="0"/>
+                  </a:cubicBezTo>
+                  <a:cubicBezTo>
+                    <a:pt x="8731139" y="17929"/>
+                    <a:pt x="8898894" y="-15257"/>
+                    <a:pt x="9144000" y="0"/>
+                  </a:cubicBezTo>
+                  <a:cubicBezTo>
+                    <a:pt x="9175707" y="297052"/>
+                    <a:pt x="9160951" y="366526"/>
+                    <a:pt x="9144000" y="650443"/>
+                  </a:cubicBezTo>
+                  <a:cubicBezTo>
+                    <a:pt x="9127049" y="934360"/>
+                    <a:pt x="9133257" y="1086491"/>
+                    <a:pt x="9144000" y="1321003"/>
+                  </a:cubicBezTo>
+                  <a:cubicBezTo>
+                    <a:pt x="9154743" y="1555515"/>
+                    <a:pt x="9113889" y="1698473"/>
+                    <a:pt x="9144000" y="2011680"/>
+                  </a:cubicBezTo>
+                  <a:cubicBezTo>
+                    <a:pt x="8817033" y="2036731"/>
+                    <a:pt x="8678458" y="2040934"/>
+                    <a:pt x="8399417" y="2011680"/>
+                  </a:cubicBezTo>
+                  <a:cubicBezTo>
+                    <a:pt x="8120376" y="1982426"/>
+                    <a:pt x="8192280" y="2017696"/>
+                    <a:pt x="8020594" y="2011680"/>
+                  </a:cubicBezTo>
+                  <a:cubicBezTo>
+                    <a:pt x="7848908" y="2005664"/>
+                    <a:pt x="7758769" y="2003793"/>
+                    <a:pt x="7550331" y="2011680"/>
+                  </a:cubicBezTo>
+                  <a:cubicBezTo>
+                    <a:pt x="7341893" y="2019567"/>
+                    <a:pt x="7074030" y="2030968"/>
+                    <a:pt x="6714309" y="2011680"/>
+                  </a:cubicBezTo>
+                  <a:cubicBezTo>
+                    <a:pt x="6354588" y="1992392"/>
+                    <a:pt x="6333433" y="2015932"/>
+                    <a:pt x="6061166" y="2011680"/>
+                  </a:cubicBezTo>
+                  <a:cubicBezTo>
+                    <a:pt x="5788899" y="2007428"/>
+                    <a:pt x="5757845" y="1994282"/>
+                    <a:pt x="5590903" y="2011680"/>
+                  </a:cubicBezTo>
+                  <a:cubicBezTo>
+                    <a:pt x="5423961" y="2029078"/>
+                    <a:pt x="5177496" y="2010142"/>
+                    <a:pt x="4937760" y="2011680"/>
+                  </a:cubicBezTo>
+                  <a:cubicBezTo>
+                    <a:pt x="4698024" y="2013218"/>
+                    <a:pt x="4715891" y="2030171"/>
+                    <a:pt x="4558937" y="2011680"/>
+                  </a:cubicBezTo>
+                  <a:cubicBezTo>
+                    <a:pt x="4401983" y="1993189"/>
+                    <a:pt x="4322997" y="2002065"/>
+                    <a:pt x="4180114" y="2011680"/>
+                  </a:cubicBezTo>
+                  <a:cubicBezTo>
+                    <a:pt x="4037231" y="2021295"/>
+                    <a:pt x="3850520" y="1989738"/>
+                    <a:pt x="3526971" y="2011680"/>
+                  </a:cubicBezTo>
+                  <a:cubicBezTo>
+                    <a:pt x="3203422" y="2033622"/>
+                    <a:pt x="3169490" y="1997034"/>
+                    <a:pt x="3056709" y="2011680"/>
+                  </a:cubicBezTo>
+                  <a:cubicBezTo>
+                    <a:pt x="2943928" y="2026326"/>
+                    <a:pt x="2567417" y="1986099"/>
+                    <a:pt x="2312126" y="2011680"/>
+                  </a:cubicBezTo>
+                  <a:cubicBezTo>
+                    <a:pt x="2056835" y="2037261"/>
+                    <a:pt x="2006448" y="1997480"/>
+                    <a:pt x="1841863" y="2011680"/>
+                  </a:cubicBezTo>
+                  <a:cubicBezTo>
+                    <a:pt x="1677278" y="2025880"/>
+                    <a:pt x="1322183" y="2000416"/>
+                    <a:pt x="1097280" y="2011680"/>
+                  </a:cubicBezTo>
+                  <a:cubicBezTo>
+                    <a:pt x="872377" y="2022944"/>
+                    <a:pt x="811580" y="2027154"/>
+                    <a:pt x="718457" y="2011680"/>
+                  </a:cubicBezTo>
+                  <a:cubicBezTo>
+                    <a:pt x="625334" y="1996206"/>
+                    <a:pt x="273259" y="2010883"/>
+                    <a:pt x="0" y="2011680"/>
+                  </a:cubicBezTo>
+                  <a:cubicBezTo>
+                    <a:pt x="8194" y="1865764"/>
+                    <a:pt x="5378" y="1558478"/>
+                    <a:pt x="0" y="1381354"/>
+                  </a:cubicBezTo>
+                  <a:cubicBezTo>
+                    <a:pt x="-5378" y="1204230"/>
+                    <a:pt x="-5174" y="844564"/>
+                    <a:pt x="0" y="670560"/>
+                  </a:cubicBezTo>
+                  <a:cubicBezTo>
+                    <a:pt x="5174" y="496556"/>
+                    <a:pt x="-13193" y="291977"/>
+                    <a:pt x="0" y="0"/>
+                  </a:cubicBezTo>
+                  <a:close/>
+                </a:path>
+              </a:pathLst>
+            </a:custGeom>
+            <a:solidFill>
+              <a:srgbClr val="FFFFFF"/>
+            </a:solidFill>
+            <a:ln w="50800">
+              <a:solidFill>
+                <a:srgbClr val="00ACC1"/>
+              </a:solidFill>
+              <a:prstDash val="solid"/>
+              <a:extLst>
+                <a:ext uri="{C807C97D-BFC1-408E-A445-0C87EB9F89A2}">
+                  <ask:lineSketchStyleProps xmlns:ask="http://schemas.microsoft.com/office/drawing/2018/sketchyshapes" sd="1219033472">
+                    <a:prstGeom prst="rect">
+                      <a:avLst/>
+                    </a:prstGeom>
+                    <ask:type>
+                      <ask:lineSketchFreehand/>
+                    </ask:type>
+                  </ask:lineSketchStyleProps>
+                </a:ext>
+              </a:extLst>
+            </a:ln>
+          </p:spPr>
+          <p:txBody>
+            <a:bodyPr/>
+            <a:lstStyle/>
+            <a:p>
+              <a:endParaRPr lang="ru-RU" dirty="0"/>
+            </a:p>
+          </p:txBody>
+        </p:sp>
+        <p:sp>
+          <p:nvSpPr>
+            <p:cNvPr id="4" name="Text 2"/>
+            <p:cNvSpPr/>
+            <p:nvPr/>
+          </p:nvSpPr>
+          <p:spPr>
+            <a:xfrm>
+              <a:off x="2819457" y="2651760"/>
+              <a:ext cx="7330383" cy="1280160"/>
+            </a:xfrm>
+            <a:prstGeom prst="rect">
+              <a:avLst/>
+            </a:prstGeom>
+            <a:noFill/>
+            <a:ln/>
+          </p:spPr>
+          <p:txBody>
+            <a:bodyPr wrap="square" rtlCol="0" anchor="ctr"/>
+            <a:lstStyle/>
+            <a:p>
+              <a:pPr marL="0" indent="0">
+                <a:buNone/>
+              </a:pPr>
+              <a:r>
+                <a:rPr lang="ru-RU" dirty="0"/>
+                <a:t>Разработать подсистему поиска недвижимости для «</a:t>
+              </a:r>
+              <a:r>
+                <a:rPr lang="ru-RU" dirty="0" err="1"/>
+                <a:t>АрхРеестра</a:t>
+              </a:r>
+              <a:r>
+                <a:rPr lang="ru-RU" dirty="0"/>
+                <a:t>» с функциями фильтрации, подбора объектов и учёта обращений, адаптированную под рынок Архангельска.</a:t>
+              </a:r>
+              <a:endParaRPr lang="en-US" sz="1800" dirty="0"/>
+            </a:p>
+          </p:txBody>
+        </p:sp>
+      </p:grpSp>
+      <p:sp>
+        <p:nvSpPr>
+          <p:cNvPr id="5" name="Text 3"/>
+          <p:cNvSpPr>
+            <a:spLocks noGrp="1" noRot="1" noMove="1" noResize="1" noEditPoints="1" noAdjustHandles="1" noChangeArrowheads="1" noChangeShapeType="1"/>
+          </p:cNvSpPr>
+          <p:nvPr/>
+        </p:nvSpPr>
+        <p:spPr>
+          <a:xfrm>
+            <a:off x="8229600" y="4869180"/>
+            <a:ext cx="914400" cy="274320"/>
+          </a:xfrm>
+          <a:prstGeom prst="rect">
+            <a:avLst/>
+          </a:prstGeom>
+          <a:noFill/>
+          <a:ln/>
+        </p:spPr>
+        <p:txBody>
+          <a:bodyPr wrap="square" rtlCol="0" anchor="ctr"/>
+          <a:lstStyle/>
+          <a:p>
+            <a:pPr marL="0" indent="0" algn="r">
+              <a:buNone/>
+            </a:pPr>
+            <a:r>
+              <a:rPr lang="en-US" sz="1400" dirty="0">
+                <a:solidFill>
+                  <a:srgbClr val="666666"/>
+                </a:solidFill>
+              </a:rPr>
+              <a:t>3/8</a:t>
+            </a:r>
+            <a:endParaRPr lang="en-US" sz="1400" dirty="0"/>
+          </a:p>
+        </p:txBody>
+      </p:sp>
+      <p:pic>
+        <p:nvPicPr>
+          <p:cNvPr id="8" name="Рисунок 7" descr="Изображение выглядит как круг, Графика, дизайн&#10;&#10;Содержимое, созданное искусственным интеллектом, может быть неверным.">
+            <a:extLst>
+              <a:ext uri="{FF2B5EF4-FFF2-40B4-BE49-F238E27FC236}">
+                <a16:creationId xmlns:a16="http://schemas.microsoft.com/office/drawing/2014/main" id="{11F30503-D5C3-0F44-3A54-2DDCF9530CCD}"/>
+              </a:ext>
+            </a:extLst>
+          </p:cNvPr>
+          <p:cNvPicPr>
+            <a:picLocks noChangeAspect="1"/>
+          </p:cNvPicPr>
+          <p:nvPr/>
+        </p:nvPicPr>
+        <p:blipFill>
+          <a:blip r:embed="rId3"/>
+          <a:stretch>
+            <a:fillRect/>
+          </a:stretch>
+        </p:blipFill>
+        <p:spPr>
+          <a:xfrm>
+            <a:off x="1610570" y="2039072"/>
+            <a:ext cx="504477" cy="532678"/>
+          </a:xfrm>
+          <a:prstGeom prst="rect">
+            <a:avLst/>
+          </a:prstGeom>
+        </p:spPr>
+      </p:pic>
+    </p:spTree>
+  </p:cSld>
+  <p:clrMapOvr>
+    <a:masterClrMapping/>
+  </p:clrMapOvr>
+</p:sld>
+</file>
+
+<file path=ppt/slides/slide4.xml><?xml version="1.0" encoding="utf-8"?>
 <p:sld xmlns:a="http://schemas.openxmlformats.org/drawingml/2006/main" xmlns:r="http://schemas.openxmlformats.org/officeDocument/2006/relationships" xmlns:p="http://schemas.openxmlformats.org/presentationml/2006/main">
   <p:cSld name="Slide 3">
     <p:spTree>
@@ -6405,797 +6966,6 @@
 </p:sld>
 </file>
 
-<file path=ppt/slides/slide4.xml><?xml version="1.0" encoding="utf-8"?>
-<p:sld xmlns:a="http://schemas.openxmlformats.org/drawingml/2006/main" xmlns:r="http://schemas.openxmlformats.org/officeDocument/2006/relationships" xmlns:p="http://schemas.openxmlformats.org/presentationml/2006/main">
-  <p:cSld name="Slide 4">
-    <p:spTree>
-      <p:nvGrpSpPr>
-        <p:cNvPr id="1" name=""/>
-        <p:cNvGrpSpPr/>
-        <p:nvPr/>
-      </p:nvGrpSpPr>
-      <p:grpSpPr>
-        <a:xfrm>
-          <a:off x="0" y="0"/>
-          <a:ext cx="0" cy="0"/>
-          <a:chOff x="0" y="0"/>
-          <a:chExt cx="0" cy="0"/>
-        </a:xfrm>
-      </p:grpSpPr>
-      <p:sp>
-        <p:nvSpPr>
-          <p:cNvPr id="2" name="Text 0"/>
-          <p:cNvSpPr>
-            <a:spLocks noGrp="1" noRot="1" noMove="1" noResize="1" noEditPoints="1" noAdjustHandles="1" noChangeArrowheads="1" noChangeShapeType="1"/>
-          </p:cNvSpPr>
-          <p:nvPr/>
-        </p:nvSpPr>
-        <p:spPr>
-          <a:xfrm>
-            <a:off x="-914400" y="0"/>
-            <a:ext cx="10972800" cy="731520"/>
-          </a:xfrm>
-          <a:prstGeom prst="rect">
-            <a:avLst/>
-          </a:prstGeom>
-          <a:noFill/>
-          <a:ln/>
-        </p:spPr>
-        <p:txBody>
-          <a:bodyPr wrap="square" rtlCol="0" anchor="ctr"/>
-          <a:lstStyle/>
-          <a:p>
-            <a:pPr marL="0" indent="0" algn="ctr">
-              <a:buNone/>
-            </a:pPr>
-            <a:r>
-              <a:rPr lang="en-US" sz="3600" b="1" dirty="0">
-                <a:solidFill>
-                  <a:srgbClr val="006064"/>
-                </a:solidFill>
-              </a:rPr>
-              <a:t>Цель</a:t>
-            </a:r>
-            <a:endParaRPr lang="en-US" sz="3600" dirty="0"/>
-          </a:p>
-        </p:txBody>
-      </p:sp>
-      <p:grpSp>
-        <p:nvGrpSpPr>
-          <p:cNvPr id="6" name="Группа 5">
-            <a:extLst>
-              <a:ext uri="{FF2B5EF4-FFF2-40B4-BE49-F238E27FC236}">
-                <a16:creationId xmlns:a16="http://schemas.microsoft.com/office/drawing/2014/main" id="{C478448E-C23A-D10E-A009-21F12ECAC4D4}"/>
-              </a:ext>
-            </a:extLst>
-          </p:cNvPr>
-          <p:cNvGrpSpPr/>
-          <p:nvPr/>
-        </p:nvGrpSpPr>
-        <p:grpSpPr>
-          <a:xfrm>
-            <a:off x="976393" y="1565910"/>
-            <a:ext cx="7191214" cy="2011680"/>
-            <a:chOff x="1371600" y="2286000"/>
-            <a:chExt cx="9144000" cy="2011680"/>
-          </a:xfrm>
-        </p:grpSpPr>
-        <p:sp>
-          <p:nvSpPr>
-            <p:cNvPr id="3" name="Shape 1"/>
-            <p:cNvSpPr/>
-            <p:nvPr/>
-          </p:nvSpPr>
-          <p:spPr>
-            <a:xfrm>
-              <a:off x="1371600" y="2286000"/>
-              <a:ext cx="9144000" cy="2011680"/>
-            </a:xfrm>
-            <a:custGeom>
-              <a:avLst/>
-              <a:gdLst>
-                <a:gd name="connsiteX0" fmla="*/ 0 w 9144000"/>
-                <a:gd name="connsiteY0" fmla="*/ 0 h 2011680"/>
-                <a:gd name="connsiteX1" fmla="*/ 836023 w 9144000"/>
-                <a:gd name="connsiteY1" fmla="*/ 0 h 2011680"/>
-                <a:gd name="connsiteX2" fmla="*/ 1306286 w 9144000"/>
-                <a:gd name="connsiteY2" fmla="*/ 0 h 2011680"/>
-                <a:gd name="connsiteX3" fmla="*/ 1959429 w 9144000"/>
-                <a:gd name="connsiteY3" fmla="*/ 0 h 2011680"/>
-                <a:gd name="connsiteX4" fmla="*/ 2704011 w 9144000"/>
-                <a:gd name="connsiteY4" fmla="*/ 0 h 2011680"/>
-                <a:gd name="connsiteX5" fmla="*/ 3082834 w 9144000"/>
-                <a:gd name="connsiteY5" fmla="*/ 0 h 2011680"/>
-                <a:gd name="connsiteX6" fmla="*/ 3461657 w 9144000"/>
-                <a:gd name="connsiteY6" fmla="*/ 0 h 2011680"/>
-                <a:gd name="connsiteX7" fmla="*/ 4297680 w 9144000"/>
-                <a:gd name="connsiteY7" fmla="*/ 0 h 2011680"/>
-                <a:gd name="connsiteX8" fmla="*/ 4950823 w 9144000"/>
-                <a:gd name="connsiteY8" fmla="*/ 0 h 2011680"/>
-                <a:gd name="connsiteX9" fmla="*/ 5329646 w 9144000"/>
-                <a:gd name="connsiteY9" fmla="*/ 0 h 2011680"/>
-                <a:gd name="connsiteX10" fmla="*/ 5982789 w 9144000"/>
-                <a:gd name="connsiteY10" fmla="*/ 0 h 2011680"/>
-                <a:gd name="connsiteX11" fmla="*/ 6818811 w 9144000"/>
-                <a:gd name="connsiteY11" fmla="*/ 0 h 2011680"/>
-                <a:gd name="connsiteX12" fmla="*/ 7380514 w 9144000"/>
-                <a:gd name="connsiteY12" fmla="*/ 0 h 2011680"/>
-                <a:gd name="connsiteX13" fmla="*/ 7942217 w 9144000"/>
-                <a:gd name="connsiteY13" fmla="*/ 0 h 2011680"/>
-                <a:gd name="connsiteX14" fmla="*/ 9144000 w 9144000"/>
-                <a:gd name="connsiteY14" fmla="*/ 0 h 2011680"/>
-                <a:gd name="connsiteX15" fmla="*/ 9144000 w 9144000"/>
-                <a:gd name="connsiteY15" fmla="*/ 690677 h 2011680"/>
-                <a:gd name="connsiteX16" fmla="*/ 9144000 w 9144000"/>
-                <a:gd name="connsiteY16" fmla="*/ 1361237 h 2011680"/>
-                <a:gd name="connsiteX17" fmla="*/ 9144000 w 9144000"/>
-                <a:gd name="connsiteY17" fmla="*/ 2011680 h 2011680"/>
-                <a:gd name="connsiteX18" fmla="*/ 8582297 w 9144000"/>
-                <a:gd name="connsiteY18" fmla="*/ 2011680 h 2011680"/>
-                <a:gd name="connsiteX19" fmla="*/ 8112034 w 9144000"/>
-                <a:gd name="connsiteY19" fmla="*/ 2011680 h 2011680"/>
-                <a:gd name="connsiteX20" fmla="*/ 7276011 w 9144000"/>
-                <a:gd name="connsiteY20" fmla="*/ 2011680 h 2011680"/>
-                <a:gd name="connsiteX21" fmla="*/ 6622869 w 9144000"/>
-                <a:gd name="connsiteY21" fmla="*/ 2011680 h 2011680"/>
-                <a:gd name="connsiteX22" fmla="*/ 6244046 w 9144000"/>
-                <a:gd name="connsiteY22" fmla="*/ 2011680 h 2011680"/>
-                <a:gd name="connsiteX23" fmla="*/ 5590903 w 9144000"/>
-                <a:gd name="connsiteY23" fmla="*/ 2011680 h 2011680"/>
-                <a:gd name="connsiteX24" fmla="*/ 5029200 w 9144000"/>
-                <a:gd name="connsiteY24" fmla="*/ 2011680 h 2011680"/>
-                <a:gd name="connsiteX25" fmla="*/ 4467497 w 9144000"/>
-                <a:gd name="connsiteY25" fmla="*/ 2011680 h 2011680"/>
-                <a:gd name="connsiteX26" fmla="*/ 3905794 w 9144000"/>
-                <a:gd name="connsiteY26" fmla="*/ 2011680 h 2011680"/>
-                <a:gd name="connsiteX27" fmla="*/ 3344091 w 9144000"/>
-                <a:gd name="connsiteY27" fmla="*/ 2011680 h 2011680"/>
-                <a:gd name="connsiteX28" fmla="*/ 2599509 w 9144000"/>
-                <a:gd name="connsiteY28" fmla="*/ 2011680 h 2011680"/>
-                <a:gd name="connsiteX29" fmla="*/ 1946366 w 9144000"/>
-                <a:gd name="connsiteY29" fmla="*/ 2011680 h 2011680"/>
-                <a:gd name="connsiteX30" fmla="*/ 1567543 w 9144000"/>
-                <a:gd name="connsiteY30" fmla="*/ 2011680 h 2011680"/>
-                <a:gd name="connsiteX31" fmla="*/ 1005840 w 9144000"/>
-                <a:gd name="connsiteY31" fmla="*/ 2011680 h 2011680"/>
-                <a:gd name="connsiteX32" fmla="*/ 0 w 9144000"/>
-                <a:gd name="connsiteY32" fmla="*/ 2011680 h 2011680"/>
-                <a:gd name="connsiteX33" fmla="*/ 0 w 9144000"/>
-                <a:gd name="connsiteY33" fmla="*/ 1381354 h 2011680"/>
-                <a:gd name="connsiteX34" fmla="*/ 0 w 9144000"/>
-                <a:gd name="connsiteY34" fmla="*/ 771144 h 2011680"/>
-                <a:gd name="connsiteX35" fmla="*/ 0 w 9144000"/>
-                <a:gd name="connsiteY35" fmla="*/ 0 h 2011680"/>
-              </a:gdLst>
-              <a:ahLst/>
-              <a:cxnLst>
-                <a:cxn ang="0">
-                  <a:pos x="connsiteX0" y="connsiteY0"/>
-                </a:cxn>
-                <a:cxn ang="0">
-                  <a:pos x="connsiteX1" y="connsiteY1"/>
-                </a:cxn>
-                <a:cxn ang="0">
-                  <a:pos x="connsiteX2" y="connsiteY2"/>
-                </a:cxn>
-                <a:cxn ang="0">
-                  <a:pos x="connsiteX3" y="connsiteY3"/>
-                </a:cxn>
-                <a:cxn ang="0">
-                  <a:pos x="connsiteX4" y="connsiteY4"/>
-                </a:cxn>
-                <a:cxn ang="0">
-                  <a:pos x="connsiteX5" y="connsiteY5"/>
-                </a:cxn>
-                <a:cxn ang="0">
-                  <a:pos x="connsiteX6" y="connsiteY6"/>
-                </a:cxn>
-                <a:cxn ang="0">
-                  <a:pos x="connsiteX7" y="connsiteY7"/>
-                </a:cxn>
-                <a:cxn ang="0">
-                  <a:pos x="connsiteX8" y="connsiteY8"/>
-                </a:cxn>
-                <a:cxn ang="0">
-                  <a:pos x="connsiteX9" y="connsiteY9"/>
-                </a:cxn>
-                <a:cxn ang="0">
-                  <a:pos x="connsiteX10" y="connsiteY10"/>
-                </a:cxn>
-                <a:cxn ang="0">
-                  <a:pos x="connsiteX11" y="connsiteY11"/>
-                </a:cxn>
-                <a:cxn ang="0">
-                  <a:pos x="connsiteX12" y="connsiteY12"/>
-                </a:cxn>
-                <a:cxn ang="0">
-                  <a:pos x="connsiteX13" y="connsiteY13"/>
-                </a:cxn>
-                <a:cxn ang="0">
-                  <a:pos x="connsiteX14" y="connsiteY14"/>
-                </a:cxn>
-                <a:cxn ang="0">
-                  <a:pos x="connsiteX15" y="connsiteY15"/>
-                </a:cxn>
-                <a:cxn ang="0">
-                  <a:pos x="connsiteX16" y="connsiteY16"/>
-                </a:cxn>
-                <a:cxn ang="0">
-                  <a:pos x="connsiteX17" y="connsiteY17"/>
-                </a:cxn>
-                <a:cxn ang="0">
-                  <a:pos x="connsiteX18" y="connsiteY18"/>
-                </a:cxn>
-                <a:cxn ang="0">
-                  <a:pos x="connsiteX19" y="connsiteY19"/>
-                </a:cxn>
-                <a:cxn ang="0">
-                  <a:pos x="connsiteX20" y="connsiteY20"/>
-                </a:cxn>
-                <a:cxn ang="0">
-                  <a:pos x="connsiteX21" y="connsiteY21"/>
-                </a:cxn>
-                <a:cxn ang="0">
-                  <a:pos x="connsiteX22" y="connsiteY22"/>
-                </a:cxn>
-                <a:cxn ang="0">
-                  <a:pos x="connsiteX23" y="connsiteY23"/>
-                </a:cxn>
-                <a:cxn ang="0">
-                  <a:pos x="connsiteX24" y="connsiteY24"/>
-                </a:cxn>
-                <a:cxn ang="0">
-                  <a:pos x="connsiteX25" y="connsiteY25"/>
-                </a:cxn>
-                <a:cxn ang="0">
-                  <a:pos x="connsiteX26" y="connsiteY26"/>
-                </a:cxn>
-                <a:cxn ang="0">
-                  <a:pos x="connsiteX27" y="connsiteY27"/>
-                </a:cxn>
-                <a:cxn ang="0">
-                  <a:pos x="connsiteX28" y="connsiteY28"/>
-                </a:cxn>
-                <a:cxn ang="0">
-                  <a:pos x="connsiteX29" y="connsiteY29"/>
-                </a:cxn>
-                <a:cxn ang="0">
-                  <a:pos x="connsiteX30" y="connsiteY30"/>
-                </a:cxn>
-                <a:cxn ang="0">
-                  <a:pos x="connsiteX31" y="connsiteY31"/>
-                </a:cxn>
-                <a:cxn ang="0">
-                  <a:pos x="connsiteX32" y="connsiteY32"/>
-                </a:cxn>
-                <a:cxn ang="0">
-                  <a:pos x="connsiteX33" y="connsiteY33"/>
-                </a:cxn>
-                <a:cxn ang="0">
-                  <a:pos x="connsiteX34" y="connsiteY34"/>
-                </a:cxn>
-                <a:cxn ang="0">
-                  <a:pos x="connsiteX35" y="connsiteY35"/>
-                </a:cxn>
-              </a:cxnLst>
-              <a:rect l="l" t="t" r="r" b="b"/>
-              <a:pathLst>
-                <a:path w="9144000" h="2011680" fill="none" extrusionOk="0">
-                  <a:moveTo>
-                    <a:pt x="0" y="0"/>
-                  </a:moveTo>
-                  <a:cubicBezTo>
-                    <a:pt x="373793" y="19759"/>
-                    <a:pt x="497863" y="-18209"/>
-                    <a:pt x="836023" y="0"/>
-                  </a:cubicBezTo>
-                  <a:cubicBezTo>
-                    <a:pt x="1174183" y="18209"/>
-                    <a:pt x="1079356" y="21107"/>
-                    <a:pt x="1306286" y="0"/>
-                  </a:cubicBezTo>
-                  <a:cubicBezTo>
-                    <a:pt x="1533216" y="-21107"/>
-                    <a:pt x="1808024" y="-25774"/>
-                    <a:pt x="1959429" y="0"/>
-                  </a:cubicBezTo>
-                  <a:cubicBezTo>
-                    <a:pt x="2110834" y="25774"/>
-                    <a:pt x="2442176" y="-26266"/>
-                    <a:pt x="2704011" y="0"/>
-                  </a:cubicBezTo>
-                  <a:cubicBezTo>
-                    <a:pt x="2965846" y="26266"/>
-                    <a:pt x="2900891" y="3204"/>
-                    <a:pt x="3082834" y="0"/>
-                  </a:cubicBezTo>
-                  <a:cubicBezTo>
-                    <a:pt x="3264777" y="-3204"/>
-                    <a:pt x="3359419" y="-5061"/>
-                    <a:pt x="3461657" y="0"/>
-                  </a:cubicBezTo>
-                  <a:cubicBezTo>
-                    <a:pt x="3563895" y="5061"/>
-                    <a:pt x="3898634" y="-5431"/>
-                    <a:pt x="4297680" y="0"/>
-                  </a:cubicBezTo>
-                  <a:cubicBezTo>
-                    <a:pt x="4696726" y="5431"/>
-                    <a:pt x="4734949" y="-7495"/>
-                    <a:pt x="4950823" y="0"/>
-                  </a:cubicBezTo>
-                  <a:cubicBezTo>
-                    <a:pt x="5166697" y="7495"/>
-                    <a:pt x="5214934" y="16437"/>
-                    <a:pt x="5329646" y="0"/>
-                  </a:cubicBezTo>
-                  <a:cubicBezTo>
-                    <a:pt x="5444358" y="-16437"/>
-                    <a:pt x="5757538" y="8318"/>
-                    <a:pt x="5982789" y="0"/>
-                  </a:cubicBezTo>
-                  <a:cubicBezTo>
-                    <a:pt x="6208040" y="-8318"/>
-                    <a:pt x="6407863" y="7703"/>
-                    <a:pt x="6818811" y="0"/>
-                  </a:cubicBezTo>
-                  <a:cubicBezTo>
-                    <a:pt x="7229759" y="-7703"/>
-                    <a:pt x="7231226" y="-11404"/>
-                    <a:pt x="7380514" y="0"/>
-                  </a:cubicBezTo>
-                  <a:cubicBezTo>
-                    <a:pt x="7529802" y="11404"/>
-                    <a:pt x="7773575" y="-5679"/>
-                    <a:pt x="7942217" y="0"/>
-                  </a:cubicBezTo>
-                  <a:cubicBezTo>
-                    <a:pt x="8110859" y="5679"/>
-                    <a:pt x="8659252" y="-43749"/>
-                    <a:pt x="9144000" y="0"/>
-                  </a:cubicBezTo>
-                  <a:cubicBezTo>
-                    <a:pt x="9109796" y="169254"/>
-                    <a:pt x="9131395" y="422507"/>
-                    <a:pt x="9144000" y="690677"/>
-                  </a:cubicBezTo>
-                  <a:cubicBezTo>
-                    <a:pt x="9156605" y="958847"/>
-                    <a:pt x="9174470" y="1191579"/>
-                    <a:pt x="9144000" y="1361237"/>
-                  </a:cubicBezTo>
-                  <a:cubicBezTo>
-                    <a:pt x="9113530" y="1530895"/>
-                    <a:pt x="9172414" y="1798308"/>
-                    <a:pt x="9144000" y="2011680"/>
-                  </a:cubicBezTo>
-                  <a:cubicBezTo>
-                    <a:pt x="8920051" y="2006340"/>
-                    <a:pt x="8739687" y="1988594"/>
-                    <a:pt x="8582297" y="2011680"/>
-                  </a:cubicBezTo>
-                  <a:cubicBezTo>
-                    <a:pt x="8424907" y="2034766"/>
-                    <a:pt x="8229166" y="2024188"/>
-                    <a:pt x="8112034" y="2011680"/>
-                  </a:cubicBezTo>
-                  <a:cubicBezTo>
-                    <a:pt x="7994902" y="1999172"/>
-                    <a:pt x="7666729" y="1974290"/>
-                    <a:pt x="7276011" y="2011680"/>
-                  </a:cubicBezTo>
-                  <a:cubicBezTo>
-                    <a:pt x="6885293" y="2049070"/>
-                    <a:pt x="6843933" y="2034321"/>
-                    <a:pt x="6622869" y="2011680"/>
-                  </a:cubicBezTo>
-                  <a:cubicBezTo>
-                    <a:pt x="6401805" y="1989039"/>
-                    <a:pt x="6326231" y="2020664"/>
-                    <a:pt x="6244046" y="2011680"/>
-                  </a:cubicBezTo>
-                  <a:cubicBezTo>
-                    <a:pt x="6161861" y="2002696"/>
-                    <a:pt x="5768186" y="2028933"/>
-                    <a:pt x="5590903" y="2011680"/>
-                  </a:cubicBezTo>
-                  <a:cubicBezTo>
-                    <a:pt x="5413620" y="1994427"/>
-                    <a:pt x="5201352" y="2005562"/>
-                    <a:pt x="5029200" y="2011680"/>
-                  </a:cubicBezTo>
-                  <a:cubicBezTo>
-                    <a:pt x="4857048" y="2017798"/>
-                    <a:pt x="4706999" y="1987993"/>
-                    <a:pt x="4467497" y="2011680"/>
-                  </a:cubicBezTo>
-                  <a:cubicBezTo>
-                    <a:pt x="4227995" y="2035367"/>
-                    <a:pt x="4046398" y="1999569"/>
-                    <a:pt x="3905794" y="2011680"/>
-                  </a:cubicBezTo>
-                  <a:cubicBezTo>
-                    <a:pt x="3765190" y="2023791"/>
-                    <a:pt x="3464072" y="2014973"/>
-                    <a:pt x="3344091" y="2011680"/>
-                  </a:cubicBezTo>
-                  <a:cubicBezTo>
-                    <a:pt x="3224110" y="2008387"/>
-                    <a:pt x="2805478" y="2035940"/>
-                    <a:pt x="2599509" y="2011680"/>
-                  </a:cubicBezTo>
-                  <a:cubicBezTo>
-                    <a:pt x="2393540" y="1987420"/>
-                    <a:pt x="2176705" y="2004185"/>
-                    <a:pt x="1946366" y="2011680"/>
-                  </a:cubicBezTo>
-                  <a:cubicBezTo>
-                    <a:pt x="1716027" y="2019175"/>
-                    <a:pt x="1739133" y="2014504"/>
-                    <a:pt x="1567543" y="2011680"/>
-                  </a:cubicBezTo>
-                  <a:cubicBezTo>
-                    <a:pt x="1395953" y="2008856"/>
-                    <a:pt x="1173413" y="2010856"/>
-                    <a:pt x="1005840" y="2011680"/>
-                  </a:cubicBezTo>
-                  <a:cubicBezTo>
-                    <a:pt x="838267" y="2012504"/>
-                    <a:pt x="287961" y="1969700"/>
-                    <a:pt x="0" y="2011680"/>
-                  </a:cubicBezTo>
-                  <a:cubicBezTo>
-                    <a:pt x="13647" y="1881965"/>
-                    <a:pt x="-8760" y="1535437"/>
-                    <a:pt x="0" y="1381354"/>
-                  </a:cubicBezTo>
-                  <a:cubicBezTo>
-                    <a:pt x="8760" y="1227271"/>
-                    <a:pt x="25645" y="998910"/>
-                    <a:pt x="0" y="771144"/>
-                  </a:cubicBezTo>
-                  <a:cubicBezTo>
-                    <a:pt x="-25645" y="543378"/>
-                    <a:pt x="-5383" y="181523"/>
-                    <a:pt x="0" y="0"/>
-                  </a:cubicBezTo>
-                  <a:close/>
-                </a:path>
-                <a:path w="9144000" h="2011680" stroke="0" extrusionOk="0">
-                  <a:moveTo>
-                    <a:pt x="0" y="0"/>
-                  </a:moveTo>
-                  <a:cubicBezTo>
-                    <a:pt x="198878" y="-10557"/>
-                    <a:pt x="407088" y="-8082"/>
-                    <a:pt x="561703" y="0"/>
-                  </a:cubicBezTo>
-                  <a:cubicBezTo>
-                    <a:pt x="716318" y="8082"/>
-                    <a:pt x="835202" y="-18772"/>
-                    <a:pt x="940526" y="0"/>
-                  </a:cubicBezTo>
-                  <a:cubicBezTo>
-                    <a:pt x="1045850" y="18772"/>
-                    <a:pt x="1393324" y="-3579"/>
-                    <a:pt x="1776549" y="0"/>
-                  </a:cubicBezTo>
-                  <a:cubicBezTo>
-                    <a:pt x="2159774" y="3579"/>
-                    <a:pt x="2190081" y="-10610"/>
-                    <a:pt x="2338251" y="0"/>
-                  </a:cubicBezTo>
-                  <a:cubicBezTo>
-                    <a:pt x="2486421" y="10610"/>
-                    <a:pt x="2645997" y="17984"/>
-                    <a:pt x="2899954" y="0"/>
-                  </a:cubicBezTo>
-                  <a:cubicBezTo>
-                    <a:pt x="3153911" y="-17984"/>
-                    <a:pt x="3493774" y="11651"/>
-                    <a:pt x="3735977" y="0"/>
-                  </a:cubicBezTo>
-                  <a:cubicBezTo>
-                    <a:pt x="3978180" y="-11651"/>
-                    <a:pt x="4089476" y="16082"/>
-                    <a:pt x="4206240" y="0"/>
-                  </a:cubicBezTo>
-                  <a:cubicBezTo>
-                    <a:pt x="4323004" y="-16082"/>
-                    <a:pt x="4870551" y="33406"/>
-                    <a:pt x="5042263" y="0"/>
-                  </a:cubicBezTo>
-                  <a:cubicBezTo>
-                    <a:pt x="5213975" y="-33406"/>
-                    <a:pt x="5518384" y="-39039"/>
-                    <a:pt x="5878286" y="0"/>
-                  </a:cubicBezTo>
-                  <a:cubicBezTo>
-                    <a:pt x="6238188" y="39039"/>
-                    <a:pt x="6358789" y="24913"/>
-                    <a:pt x="6531429" y="0"/>
-                  </a:cubicBezTo>
-                  <a:cubicBezTo>
-                    <a:pt x="6704069" y="-24913"/>
-                    <a:pt x="7047419" y="-5128"/>
-                    <a:pt x="7367451" y="0"/>
-                  </a:cubicBezTo>
-                  <a:cubicBezTo>
-                    <a:pt x="7687483" y="5128"/>
-                    <a:pt x="7814430" y="-16092"/>
-                    <a:pt x="7929154" y="0"/>
-                  </a:cubicBezTo>
-                  <a:cubicBezTo>
-                    <a:pt x="8043878" y="16092"/>
-                    <a:pt x="8250575" y="-17929"/>
-                    <a:pt x="8490857" y="0"/>
-                  </a:cubicBezTo>
-                  <a:cubicBezTo>
-                    <a:pt x="8731139" y="17929"/>
-                    <a:pt x="8898894" y="-15257"/>
-                    <a:pt x="9144000" y="0"/>
-                  </a:cubicBezTo>
-                  <a:cubicBezTo>
-                    <a:pt x="9175707" y="297052"/>
-                    <a:pt x="9160951" y="366526"/>
-                    <a:pt x="9144000" y="650443"/>
-                  </a:cubicBezTo>
-                  <a:cubicBezTo>
-                    <a:pt x="9127049" y="934360"/>
-                    <a:pt x="9133257" y="1086491"/>
-                    <a:pt x="9144000" y="1321003"/>
-                  </a:cubicBezTo>
-                  <a:cubicBezTo>
-                    <a:pt x="9154743" y="1555515"/>
-                    <a:pt x="9113889" y="1698473"/>
-                    <a:pt x="9144000" y="2011680"/>
-                  </a:cubicBezTo>
-                  <a:cubicBezTo>
-                    <a:pt x="8817033" y="2036731"/>
-                    <a:pt x="8678458" y="2040934"/>
-                    <a:pt x="8399417" y="2011680"/>
-                  </a:cubicBezTo>
-                  <a:cubicBezTo>
-                    <a:pt x="8120376" y="1982426"/>
-                    <a:pt x="8192280" y="2017696"/>
-                    <a:pt x="8020594" y="2011680"/>
-                  </a:cubicBezTo>
-                  <a:cubicBezTo>
-                    <a:pt x="7848908" y="2005664"/>
-                    <a:pt x="7758769" y="2003793"/>
-                    <a:pt x="7550331" y="2011680"/>
-                  </a:cubicBezTo>
-                  <a:cubicBezTo>
-                    <a:pt x="7341893" y="2019567"/>
-                    <a:pt x="7074030" y="2030968"/>
-                    <a:pt x="6714309" y="2011680"/>
-                  </a:cubicBezTo>
-                  <a:cubicBezTo>
-                    <a:pt x="6354588" y="1992392"/>
-                    <a:pt x="6333433" y="2015932"/>
-                    <a:pt x="6061166" y="2011680"/>
-                  </a:cubicBezTo>
-                  <a:cubicBezTo>
-                    <a:pt x="5788899" y="2007428"/>
-                    <a:pt x="5757845" y="1994282"/>
-                    <a:pt x="5590903" y="2011680"/>
-                  </a:cubicBezTo>
-                  <a:cubicBezTo>
-                    <a:pt x="5423961" y="2029078"/>
-                    <a:pt x="5177496" y="2010142"/>
-                    <a:pt x="4937760" y="2011680"/>
-                  </a:cubicBezTo>
-                  <a:cubicBezTo>
-                    <a:pt x="4698024" y="2013218"/>
-                    <a:pt x="4715891" y="2030171"/>
-                    <a:pt x="4558937" y="2011680"/>
-                  </a:cubicBezTo>
-                  <a:cubicBezTo>
-                    <a:pt x="4401983" y="1993189"/>
-                    <a:pt x="4322997" y="2002065"/>
-                    <a:pt x="4180114" y="2011680"/>
-                  </a:cubicBezTo>
-                  <a:cubicBezTo>
-                    <a:pt x="4037231" y="2021295"/>
-                    <a:pt x="3850520" y="1989738"/>
-                    <a:pt x="3526971" y="2011680"/>
-                  </a:cubicBezTo>
-                  <a:cubicBezTo>
-                    <a:pt x="3203422" y="2033622"/>
-                    <a:pt x="3169490" y="1997034"/>
-                    <a:pt x="3056709" y="2011680"/>
-                  </a:cubicBezTo>
-                  <a:cubicBezTo>
-                    <a:pt x="2943928" y="2026326"/>
-                    <a:pt x="2567417" y="1986099"/>
-                    <a:pt x="2312126" y="2011680"/>
-                  </a:cubicBezTo>
-                  <a:cubicBezTo>
-                    <a:pt x="2056835" y="2037261"/>
-                    <a:pt x="2006448" y="1997480"/>
-                    <a:pt x="1841863" y="2011680"/>
-                  </a:cubicBezTo>
-                  <a:cubicBezTo>
-                    <a:pt x="1677278" y="2025880"/>
-                    <a:pt x="1322183" y="2000416"/>
-                    <a:pt x="1097280" y="2011680"/>
-                  </a:cubicBezTo>
-                  <a:cubicBezTo>
-                    <a:pt x="872377" y="2022944"/>
-                    <a:pt x="811580" y="2027154"/>
-                    <a:pt x="718457" y="2011680"/>
-                  </a:cubicBezTo>
-                  <a:cubicBezTo>
-                    <a:pt x="625334" y="1996206"/>
-                    <a:pt x="273259" y="2010883"/>
-                    <a:pt x="0" y="2011680"/>
-                  </a:cubicBezTo>
-                  <a:cubicBezTo>
-                    <a:pt x="8194" y="1865764"/>
-                    <a:pt x="5378" y="1558478"/>
-                    <a:pt x="0" y="1381354"/>
-                  </a:cubicBezTo>
-                  <a:cubicBezTo>
-                    <a:pt x="-5378" y="1204230"/>
-                    <a:pt x="-5174" y="844564"/>
-                    <a:pt x="0" y="670560"/>
-                  </a:cubicBezTo>
-                  <a:cubicBezTo>
-                    <a:pt x="5174" y="496556"/>
-                    <a:pt x="-13193" y="291977"/>
-                    <a:pt x="0" y="0"/>
-                  </a:cubicBezTo>
-                  <a:close/>
-                </a:path>
-              </a:pathLst>
-            </a:custGeom>
-            <a:solidFill>
-              <a:srgbClr val="FFFFFF"/>
-            </a:solidFill>
-            <a:ln w="50800">
-              <a:solidFill>
-                <a:srgbClr val="00ACC1"/>
-              </a:solidFill>
-              <a:prstDash val="solid"/>
-              <a:extLst>
-                <a:ext uri="{C807C97D-BFC1-408E-A445-0C87EB9F89A2}">
-                  <ask:lineSketchStyleProps xmlns:ask="http://schemas.microsoft.com/office/drawing/2018/sketchyshapes" sd="1219033472">
-                    <a:prstGeom prst="rect">
-                      <a:avLst/>
-                    </a:prstGeom>
-                    <ask:type>
-                      <ask:lineSketchFreehand/>
-                    </ask:type>
-                  </ask:lineSketchStyleProps>
-                </a:ext>
-              </a:extLst>
-            </a:ln>
-          </p:spPr>
-          <p:txBody>
-            <a:bodyPr/>
-            <a:lstStyle/>
-            <a:p>
-              <a:endParaRPr lang="ru-RU" dirty="0"/>
-            </a:p>
-          </p:txBody>
-        </p:sp>
-        <p:sp>
-          <p:nvSpPr>
-            <p:cNvPr id="4" name="Text 2"/>
-            <p:cNvSpPr/>
-            <p:nvPr/>
-          </p:nvSpPr>
-          <p:spPr>
-            <a:xfrm>
-              <a:off x="2819457" y="2651760"/>
-              <a:ext cx="7330383" cy="1280160"/>
-            </a:xfrm>
-            <a:prstGeom prst="rect">
-              <a:avLst/>
-            </a:prstGeom>
-            <a:noFill/>
-            <a:ln/>
-          </p:spPr>
-          <p:txBody>
-            <a:bodyPr wrap="square" rtlCol="0" anchor="ctr"/>
-            <a:lstStyle/>
-            <a:p>
-              <a:pPr marL="0" indent="0">
-                <a:buNone/>
-              </a:pPr>
-              <a:r>
-                <a:rPr lang="ru-RU" dirty="0"/>
-                <a:t>Разработать подсистему поиска недвижимости для «</a:t>
-              </a:r>
-              <a:r>
-                <a:rPr lang="ru-RU" dirty="0" err="1"/>
-                <a:t>АрхРеестра</a:t>
-              </a:r>
-              <a:r>
-                <a:rPr lang="ru-RU" dirty="0"/>
-                <a:t>» с функциями фильтрации, подбора объектов и учёта обращений, адаптированную под рынок Архангельска.</a:t>
-              </a:r>
-              <a:endParaRPr lang="en-US" sz="1800" dirty="0"/>
-            </a:p>
-          </p:txBody>
-        </p:sp>
-      </p:grpSp>
-      <p:sp>
-        <p:nvSpPr>
-          <p:cNvPr id="5" name="Text 3"/>
-          <p:cNvSpPr>
-            <a:spLocks noGrp="1" noRot="1" noMove="1" noResize="1" noEditPoints="1" noAdjustHandles="1" noChangeArrowheads="1" noChangeShapeType="1"/>
-          </p:cNvSpPr>
-          <p:nvPr/>
-        </p:nvSpPr>
-        <p:spPr>
-          <a:xfrm>
-            <a:off x="8229600" y="4869180"/>
-            <a:ext cx="914400" cy="274320"/>
-          </a:xfrm>
-          <a:prstGeom prst="rect">
-            <a:avLst/>
-          </a:prstGeom>
-          <a:noFill/>
-          <a:ln/>
-        </p:spPr>
-        <p:txBody>
-          <a:bodyPr wrap="square" rtlCol="0" anchor="ctr"/>
-          <a:lstStyle/>
-          <a:p>
-            <a:pPr marL="0" indent="0" algn="r">
-              <a:buNone/>
-            </a:pPr>
-            <a:r>
-              <a:rPr lang="en-US" sz="1400" dirty="0">
-                <a:solidFill>
-                  <a:srgbClr val="666666"/>
-                </a:solidFill>
-              </a:rPr>
-              <a:t>3/8</a:t>
-            </a:r>
-            <a:endParaRPr lang="en-US" sz="1400" dirty="0"/>
-          </a:p>
-        </p:txBody>
-      </p:sp>
-      <p:pic>
-        <p:nvPicPr>
-          <p:cNvPr id="8" name="Рисунок 7" descr="Изображение выглядит как круг, Графика, дизайн&#10;&#10;Содержимое, созданное искусственным интеллектом, может быть неверным.">
-            <a:extLst>
-              <a:ext uri="{FF2B5EF4-FFF2-40B4-BE49-F238E27FC236}">
-                <a16:creationId xmlns:a16="http://schemas.microsoft.com/office/drawing/2014/main" id="{11F30503-D5C3-0F44-3A54-2DDCF9530CCD}"/>
-              </a:ext>
-            </a:extLst>
-          </p:cNvPr>
-          <p:cNvPicPr>
-            <a:picLocks noChangeAspect="1"/>
-          </p:cNvPicPr>
-          <p:nvPr/>
-        </p:nvPicPr>
-        <p:blipFill>
-          <a:blip r:embed="rId3"/>
-          <a:stretch>
-            <a:fillRect/>
-          </a:stretch>
-        </p:blipFill>
-        <p:spPr>
-          <a:xfrm>
-            <a:off x="1610570" y="2039072"/>
-            <a:ext cx="504477" cy="532678"/>
-          </a:xfrm>
-          <a:prstGeom prst="rect">
-            <a:avLst/>
-          </a:prstGeom>
-        </p:spPr>
-      </p:pic>
-    </p:spTree>
-  </p:cSld>
-  <p:clrMapOvr>
-    <a:masterClrMapping/>
-  </p:clrMapOvr>
-</p:sld>
-</file>
-
 <file path=ppt/slides/slide5.xml><?xml version="1.0" encoding="utf-8"?>
 <p:sld xmlns:a="http://schemas.openxmlformats.org/drawingml/2006/main" xmlns:r="http://schemas.openxmlformats.org/officeDocument/2006/relationships" xmlns:p="http://schemas.openxmlformats.org/presentationml/2006/main">
   <p:cSld name="Slide 5">
@@ -7908,7 +7678,7 @@
           </p:nvSpPr>
           <p:spPr>
             <a:xfrm>
-              <a:off x="2468880" y="1828800"/>
+              <a:off x="2194560" y="2128840"/>
               <a:ext cx="7772400" cy="365760"/>
             </a:xfrm>
             <a:prstGeom prst="rect">
@@ -7925,46 +7695,14 @@
                 <a:buNone/>
               </a:pPr>
               <a:r>
-                <a:rPr lang="en-US" sz="1600" b="1" dirty="0">
+                <a:rPr lang="en-US" sz="2400" b="1" dirty="0">
                   <a:solidFill>
                     <a:srgbClr val="006064"/>
                   </a:solidFill>
                 </a:rPr>
                 <a:t>Анализ требований и проектирование</a:t>
               </a:r>
-              <a:endParaRPr lang="en-US" sz="1600" dirty="0"/>
-            </a:p>
-          </p:txBody>
-        </p:sp>
-        <p:sp>
-          <p:nvSpPr>
-            <p:cNvPr id="7" name="Text 5"/>
-            <p:cNvSpPr/>
-            <p:nvPr/>
-          </p:nvSpPr>
-          <p:spPr>
-            <a:xfrm>
-              <a:off x="2468880" y="2286000"/>
-              <a:ext cx="7772400" cy="548640"/>
-            </a:xfrm>
-            <a:prstGeom prst="rect">
-              <a:avLst/>
-            </a:prstGeom>
-            <a:grpFill/>
-            <a:ln/>
-          </p:spPr>
-          <p:txBody>
-            <a:bodyPr wrap="square" rtlCol="0" anchor="ctr"/>
-            <a:lstStyle/>
-            <a:p>
-              <a:pPr marL="0" indent="0">
-                <a:buNone/>
-              </a:pPr>
-              <a:r>
-                <a:rPr lang="ru-RU" sz="1400" dirty="0"/>
-                <a:t>Исследовать процессы агентства и спроектировать структуру БД с учётом специфики рынка Архангельска.</a:t>
-              </a:r>
-              <a:endParaRPr lang="en-US" sz="1300" dirty="0"/>
+              <a:endParaRPr lang="en-US" sz="2400" dirty="0"/>
             </a:p>
           </p:txBody>
         </p:sp>
@@ -8628,7 +8366,7 @@
           </p:nvSpPr>
           <p:spPr>
             <a:xfrm>
-              <a:off x="2468880" y="3383280"/>
+              <a:off x="2240280" y="3657600"/>
               <a:ext cx="7772400" cy="365760"/>
             </a:xfrm>
             <a:prstGeom prst="rect">
@@ -8645,46 +8383,14 @@
                 <a:buNone/>
               </a:pPr>
               <a:r>
-                <a:rPr lang="en-US" sz="1600" b="1" dirty="0">
+                <a:rPr lang="en-US" sz="2400" b="1" dirty="0">
                   <a:solidFill>
                     <a:srgbClr val="006064"/>
                   </a:solidFill>
                 </a:rPr>
                 <a:t>Разработка подсистемы</a:t>
               </a:r>
-              <a:endParaRPr lang="en-US" sz="1600" dirty="0"/>
-            </a:p>
-          </p:txBody>
-        </p:sp>
-        <p:sp>
-          <p:nvSpPr>
-            <p:cNvPr id="12" name="Text 10"/>
-            <p:cNvSpPr/>
-            <p:nvPr/>
-          </p:nvSpPr>
-          <p:spPr>
-            <a:xfrm>
-              <a:off x="2468880" y="3840480"/>
-              <a:ext cx="7772400" cy="548640"/>
-            </a:xfrm>
-            <a:prstGeom prst="rect">
-              <a:avLst/>
-            </a:prstGeom>
-            <a:grpFill/>
-            <a:ln/>
-          </p:spPr>
-          <p:txBody>
-            <a:bodyPr wrap="square" rtlCol="0" anchor="ctr"/>
-            <a:lstStyle/>
-            <a:p>
-              <a:pPr marL="0" indent="0">
-                <a:buNone/>
-              </a:pPr>
-              <a:r>
-                <a:rPr lang="ru-RU" sz="1400" dirty="0"/>
-                <a:t>Реализовать поиск объектов с фильтрами, каталог недвижимости, ведение обращений и роли пользователей.</a:t>
-              </a:r>
-              <a:endParaRPr lang="en-US" sz="1300" dirty="0"/>
+              <a:endParaRPr lang="en-US" sz="2400" dirty="0"/>
             </a:p>
           </p:txBody>
         </p:sp>
@@ -9294,10 +9000,10 @@
           </p:nvGrpSpPr>
           <p:grpSpPr>
             <a:xfrm>
-              <a:off x="1645920" y="4937760"/>
-              <a:ext cx="8595360" cy="1005840"/>
-              <a:chOff x="1645920" y="4937760"/>
-              <a:chExt cx="8595360" cy="1005840"/>
+              <a:off x="1645920" y="5120640"/>
+              <a:ext cx="8275320" cy="548640"/>
+              <a:chOff x="1645920" y="5120640"/>
+              <a:chExt cx="8275320" cy="548640"/>
             </a:xfrm>
             <a:grpFill/>
           </p:grpSpPr>
@@ -9370,7 +9076,7 @@
             </p:nvSpPr>
             <p:spPr>
               <a:xfrm>
-                <a:off x="2468880" y="4937760"/>
+                <a:off x="2148840" y="5209236"/>
                 <a:ext cx="7772400" cy="365760"/>
               </a:xfrm>
               <a:prstGeom prst="rect">
@@ -9387,46 +9093,14 @@
                   <a:buNone/>
                 </a:pPr>
                 <a:r>
-                  <a:rPr lang="en-US" sz="1600" b="1" dirty="0">
+                  <a:rPr lang="en-US" sz="2400" b="1" dirty="0">
                     <a:solidFill>
                       <a:srgbClr val="006064"/>
                     </a:solidFill>
                   </a:rPr>
                   <a:t>Тестирование и документирование</a:t>
                 </a:r>
-                <a:endParaRPr lang="en-US" sz="1600" dirty="0"/>
-              </a:p>
-            </p:txBody>
-          </p:sp>
-          <p:sp>
-            <p:nvSpPr>
-              <p:cNvPr id="17" name="Text 15"/>
-              <p:cNvSpPr/>
-              <p:nvPr/>
-            </p:nvSpPr>
-            <p:spPr>
-              <a:xfrm>
-                <a:off x="2468880" y="5394960"/>
-                <a:ext cx="7772400" cy="548640"/>
-              </a:xfrm>
-              <a:prstGeom prst="rect">
-                <a:avLst/>
-              </a:prstGeom>
-              <a:grpFill/>
-              <a:ln/>
-            </p:spPr>
-            <p:txBody>
-              <a:bodyPr wrap="square" rtlCol="0" anchor="ctr"/>
-              <a:lstStyle/>
-              <a:p>
-                <a:pPr marL="0" indent="0">
-                  <a:buNone/>
-                </a:pPr>
-                <a:r>
-                  <a:rPr lang="ru-RU" sz="1400" dirty="0"/>
-                  <a:t>Проверить корректность работы подсистемы и подготовить пользовательскую документацию.</a:t>
-                </a:r>
-                <a:endParaRPr lang="en-US" sz="1300" dirty="0"/>
+                <a:endParaRPr lang="en-US" sz="2400" dirty="0"/>
               </a:p>
             </p:txBody>
           </p:sp>
@@ -14170,30 +13844,6 @@
             <a:lstStyle/>
             <a:p>
               <a:pPr algn="ctr"/>
-              <a:r>
-                <a:rPr lang="en-US" sz="1400" b="1" dirty="0" err="1">
-                  <a:solidFill>
-                    <a:srgbClr val="FFFFFF"/>
-                  </a:solidFill>
-                </a:rPr>
-                <a:t>Пользовательский</a:t>
-              </a:r>
-              <a:r>
-                <a:rPr lang="ru-RU" sz="1400" b="1" dirty="0">
-                  <a:solidFill>
-                    <a:srgbClr val="FFFFFF"/>
-                  </a:solidFill>
-                </a:rPr>
-                <a:t> </a:t>
-              </a:r>
-              <a:r>
-                <a:rPr lang="en-US" sz="1400" b="1" dirty="0" err="1">
-                  <a:solidFill>
-                    <a:srgbClr val="FFFFFF"/>
-                  </a:solidFill>
-                </a:rPr>
-                <a:t>интерфейс</a:t>
-              </a:r>
               <a:endParaRPr lang="en-US" sz="1400" dirty="0"/>
             </a:p>
           </p:txBody>
@@ -14206,7 +13856,7 @@
           </p:nvSpPr>
           <p:spPr>
             <a:xfrm>
-              <a:off x="6173329" y="2423160"/>
+              <a:off x="6162674" y="2194560"/>
               <a:ext cx="1896672" cy="640080"/>
             </a:xfrm>
             <a:prstGeom prst="rect">
@@ -14235,7 +13885,7 @@
           </p:nvSpPr>
           <p:spPr>
             <a:xfrm>
-              <a:off x="5669280" y="2468880"/>
+              <a:off x="5658625" y="2240280"/>
               <a:ext cx="2926080" cy="274320"/>
             </a:xfrm>
             <a:prstGeom prst="rect">
@@ -14248,16 +13898,30 @@
             <a:bodyPr wrap="square" rtlCol="0" anchor="ctr"/>
             <a:lstStyle/>
             <a:p>
-              <a:pPr marL="0" indent="0" algn="ctr">
-                <a:buNone/>
-              </a:pPr>
+              <a:pPr algn="ctr"/>
               <a:r>
-                <a:rPr lang="en-US" sz="1100" b="1" dirty="0">
+                <a:rPr lang="en-US" sz="1100" b="1" dirty="0" err="1">
                   <a:solidFill>
                     <a:srgbClr val="FFFFFF"/>
                   </a:solidFill>
                 </a:rPr>
-                <a:t>SignalR</a:t>
+                <a:t>Пользовательский</a:t>
+              </a:r>
+              <a:r>
+                <a:rPr lang="ru-RU" sz="1100" b="1" dirty="0">
+                  <a:solidFill>
+                    <a:srgbClr val="FFFFFF"/>
+                  </a:solidFill>
+                </a:rPr>
+                <a:t> </a:t>
+              </a:r>
+              <a:r>
+                <a:rPr lang="en-US" sz="1100" b="1" dirty="0" err="1">
+                  <a:solidFill>
+                    <a:srgbClr val="FFFFFF"/>
+                  </a:solidFill>
+                </a:rPr>
+                <a:t>интерфейс</a:t>
               </a:r>
               <a:endParaRPr lang="en-US" sz="1100" dirty="0"/>
             </a:p>
@@ -14271,7 +13935,7 @@
           </p:nvSpPr>
           <p:spPr>
             <a:xfrm>
-              <a:off x="5658625" y="2720340"/>
+              <a:off x="5647970" y="2491740"/>
               <a:ext cx="2926080" cy="274320"/>
             </a:xfrm>
             <a:prstGeom prst="rect">
@@ -14293,7 +13957,7 @@
                     <a:srgbClr val="FFFFFF"/>
                   </a:solidFill>
                 </a:rPr>
-                <a:t>Real-time коммуникация</a:t>
+                <a:t>Signal-R</a:t>
               </a:r>
               <a:endParaRPr lang="en-US" sz="1000" dirty="0"/>
             </a:p>
